--- a/PPT-R1-Agribot 2024-1.pptx
+++ b/PPT-R1-Agribot 2024-1.pptx
@@ -30,11 +30,18 @@
   <p:notesSz cx="8229600" cy="14630400"/>
   <p:embeddedFontLst>
     <p:embeddedFont>
-      <p:font typeface="Gelasio" pitchFamily="2" charset="0"/>
+      <p:font typeface="Aparajita" panose="02020603050405020304" pitchFamily="18" charset="0"/>
       <p:regular r:id="rId20"/>
       <p:bold r:id="rId21"/>
       <p:italic r:id="rId22"/>
       <p:boldItalic r:id="rId23"/>
+    </p:embeddedFont>
+    <p:embeddedFont>
+      <p:font typeface="Gelasio" panose="020B0604020202020204" charset="0"/>
+      <p:regular r:id="rId24"/>
+      <p:bold r:id="rId25"/>
+      <p:italic r:id="rId26"/>
+      <p:boldItalic r:id="rId27"/>
     </p:embeddedFont>
   </p:embeddedFontLst>
   <p:defaultTextStyle>
@@ -268,7 +275,7 @@
   </p:defaultTextStyle>
   <p:extLst>
     <p:ext uri="GoogleSlidesCustomDataVersion2">
-      <go:slidesCustomData xmlns:go="http://customooxmlschemas.google.com/" xmlns:ahyp="http://schemas.microsoft.com/office/drawing/2018/hyperlinkcolor" xmlns:p15="http://schemas.microsoft.com/office/powerpoint/2012/main" xmlns:p14="http://schemas.microsoft.com/office/powerpoint/2010/main" xmlns:com="http://schemas.openxmlformats.org/drawingml/2006/compatibility" xmlns:pvml="urn:schemas-microsoft-com:office:powerpoint" xmlns:v="urn:schemas-microsoft-com:vml" xmlns:o="urn:schemas-microsoft-com:office:office" xmlns:dgm="http://schemas.openxmlformats.org/drawingml/2006/diagram" xmlns:c="http://schemas.openxmlformats.org/drawingml/2006/chart" xmlns:mv="urn:schemas-microsoft-com:mac:vml" xmlns:mc="http://schemas.openxmlformats.org/markup-compatibility/2006" xmlns="" r:id="rId27" roundtripDataSignature="AMtx7mg3cm7Xvjkc6U0sK+jP/1ydJjPYVw=="/>
+      <go:slidesCustomData xmlns="" xmlns:mc="http://schemas.openxmlformats.org/markup-compatibility/2006" xmlns:mv="urn:schemas-microsoft-com:mac:vml" xmlns:c="http://schemas.openxmlformats.org/drawingml/2006/chart" xmlns:dgm="http://schemas.openxmlformats.org/drawingml/2006/diagram" xmlns:o="urn:schemas-microsoft-com:office:office" xmlns:v="urn:schemas-microsoft-com:vml" xmlns:pvml="urn:schemas-microsoft-com:office:powerpoint" xmlns:com="http://schemas.openxmlformats.org/drawingml/2006/compatibility" xmlns:p14="http://schemas.microsoft.com/office/powerpoint/2010/main" xmlns:p15="http://schemas.microsoft.com/office/powerpoint/2012/main" xmlns:ahyp="http://schemas.microsoft.com/office/drawing/2018/hyperlinkcolor" xmlns:go="http://customooxmlschemas.google.com/" r:id="rId28" roundtripDataSignature="AMtx7mg3cm7Xvjkc6U0sK+jP/1ydJjPYVw=="/>
     </p:ext>
   </p:extLst>
 </p:presentation>
@@ -1123,8 +1130,8 @@
         </p:nvSpPr>
         <p:spPr>
           <a:xfrm>
-            <a:off x="0" y="0"/>
-            <a:ext cx="3000000" cy="3000000"/>
+            <a:off x="-1166813" y="0"/>
+            <a:ext cx="5334001" cy="3000375"/>
           </a:xfrm>
           <a:custGeom>
             <a:avLst/>
@@ -1305,8 +1312,8 @@
         </p:nvSpPr>
         <p:spPr>
           <a:xfrm>
-            <a:off x="0" y="0"/>
-            <a:ext cx="3000000" cy="3000000"/>
+            <a:off x="-1166813" y="0"/>
+            <a:ext cx="5334001" cy="3000375"/>
           </a:xfrm>
           <a:custGeom>
             <a:avLst/>
@@ -1487,8 +1494,8 @@
         </p:nvSpPr>
         <p:spPr>
           <a:xfrm>
-            <a:off x="0" y="0"/>
-            <a:ext cx="3000000" cy="3000000"/>
+            <a:off x="-1166813" y="0"/>
+            <a:ext cx="5334001" cy="3000375"/>
           </a:xfrm>
           <a:custGeom>
             <a:avLst/>
@@ -1669,8 +1676,8 @@
         </p:nvSpPr>
         <p:spPr>
           <a:xfrm>
-            <a:off x="0" y="0"/>
-            <a:ext cx="3000000" cy="3000000"/>
+            <a:off x="-1166813" y="0"/>
+            <a:ext cx="5334001" cy="3000375"/>
           </a:xfrm>
           <a:custGeom>
             <a:avLst/>
@@ -1851,8 +1858,8 @@
         </p:nvSpPr>
         <p:spPr>
           <a:xfrm>
-            <a:off x="0" y="0"/>
-            <a:ext cx="3000000" cy="3000000"/>
+            <a:off x="-1166813" y="0"/>
+            <a:ext cx="5334001" cy="3000375"/>
           </a:xfrm>
           <a:custGeom>
             <a:avLst/>
@@ -2033,8 +2040,8 @@
         </p:nvSpPr>
         <p:spPr>
           <a:xfrm>
-            <a:off x="0" y="0"/>
-            <a:ext cx="3000000" cy="3000000"/>
+            <a:off x="-1166813" y="0"/>
+            <a:ext cx="5334001" cy="3000375"/>
           </a:xfrm>
           <a:custGeom>
             <a:avLst/>
@@ -2761,8 +2768,8 @@
         </p:nvSpPr>
         <p:spPr>
           <a:xfrm>
-            <a:off x="0" y="0"/>
-            <a:ext cx="3000000" cy="3000000"/>
+            <a:off x="-1166813" y="0"/>
+            <a:ext cx="5334001" cy="3000375"/>
           </a:xfrm>
           <a:custGeom>
             <a:avLst/>
@@ -3411,8 +3418,8 @@
         </p:nvSpPr>
         <p:spPr>
           <a:xfrm>
-            <a:off x="0" y="0"/>
-            <a:ext cx="3000000" cy="3000000"/>
+            <a:off x="-1166813" y="0"/>
+            <a:ext cx="5334001" cy="3000375"/>
           </a:xfrm>
           <a:custGeom>
             <a:avLst/>
@@ -5737,7 +5744,7 @@
               <a:buNone/>
             </a:pPr>
             <a:r>
-              <a:rPr lang="en-IN" sz="2000">
+              <a:rPr lang="en-IN" sz="2000" dirty="0">
                 <a:solidFill>
                   <a:schemeClr val="dk1"/>
                 </a:solidFill>
@@ -5749,7 +5756,7 @@
               <a:t>Approximate Budget : 13,000 Rs – 16000 Rs</a:t>
             </a:r>
             <a:br>
-              <a:rPr lang="en-IN" sz="2000">
+              <a:rPr lang="en-IN" sz="2000" dirty="0">
                 <a:solidFill>
                   <a:schemeClr val="dk1"/>
                 </a:solidFill>
@@ -5760,7 +5767,7 @@
               </a:rPr>
             </a:br>
             <a:br>
-              <a:rPr lang="en-IN" sz="2000">
+              <a:rPr lang="en-IN" sz="2000" dirty="0">
                 <a:solidFill>
                   <a:schemeClr val="dk1"/>
                 </a:solidFill>
@@ -5771,7 +5778,7 @@
               </a:rPr>
             </a:br>
             <a:r>
-              <a:rPr lang="en-IN" sz="2000">
+              <a:rPr lang="en-IN" sz="2000" dirty="0">
                 <a:solidFill>
                   <a:schemeClr val="dk1"/>
                 </a:solidFill>
@@ -5782,7 +5789,7 @@
               </a:rPr>
               <a:t>includes:</a:t>
             </a:r>
-            <a:endParaRPr/>
+            <a:endParaRPr dirty="0"/>
           </a:p>
           <a:p>
             <a:pPr marL="0" marR="0" lvl="0" indent="0" algn="l" rtl="0">
@@ -5803,7 +5810,7 @@
               <a:buNone/>
             </a:pPr>
             <a:br>
-              <a:rPr lang="en-IN" sz="2000">
+              <a:rPr lang="en-IN" sz="2000" dirty="0">
                 <a:solidFill>
                   <a:schemeClr val="dk1"/>
                 </a:solidFill>
@@ -5814,7 +5821,7 @@
               </a:rPr>
             </a:br>
             <a:r>
-              <a:rPr lang="en-IN" sz="2000">
+              <a:rPr lang="en-IN" sz="2000" dirty="0">
                 <a:solidFill>
                   <a:schemeClr val="dk1"/>
                 </a:solidFill>
@@ -5826,7 +5833,7 @@
               <a:t> - </a:t>
             </a:r>
             <a:r>
-              <a:rPr lang="en-IN" sz="1800">
+              <a:rPr lang="en-IN" sz="1800" dirty="0">
                 <a:solidFill>
                   <a:schemeClr val="dk1"/>
                 </a:solidFill>
@@ -5837,7 +5844,7 @@
               </a:rPr>
               <a:t>Raspberry pi 4 : 6000</a:t>
             </a:r>
-            <a:endParaRPr/>
+            <a:endParaRPr dirty="0"/>
           </a:p>
           <a:p>
             <a:pPr marL="0" marR="0" lvl="0" indent="0" algn="l" rtl="0">
@@ -5858,7 +5865,7 @@
               <a:buNone/>
             </a:pPr>
             <a:r>
-              <a:rPr lang="en-IN" sz="1800">
+              <a:rPr lang="en-IN" sz="1800" dirty="0">
                 <a:solidFill>
                   <a:schemeClr val="dk1"/>
                 </a:solidFill>
@@ -5869,7 +5876,7 @@
               </a:rPr>
               <a:t> - chassis and rice planter: 2000</a:t>
             </a:r>
-            <a:endParaRPr/>
+            <a:endParaRPr dirty="0"/>
           </a:p>
           <a:p>
             <a:pPr marL="0" marR="0" lvl="0" indent="0" algn="l" rtl="0">
@@ -5890,7 +5897,7 @@
               <a:buNone/>
             </a:pPr>
             <a:r>
-              <a:rPr lang="en-IN" sz="1800">
+              <a:rPr lang="en-IN" sz="1800" dirty="0">
                 <a:solidFill>
                   <a:schemeClr val="dk1"/>
                 </a:solidFill>
@@ -5899,9 +5906,9 @@
                 <a:cs typeface="Calibri"/>
                 <a:sym typeface="Calibri"/>
               </a:rPr>
-              <a:t> - Raspberry Pi Camera Module V2-8 Megapixel: 3000</a:t>
+              <a:t> - Raspberry Pi Camera Module V2 (8 Megapixel): 3000</a:t>
             </a:r>
-            <a:endParaRPr/>
+            <a:endParaRPr dirty="0"/>
           </a:p>
           <a:p>
             <a:pPr marL="0" marR="0" lvl="0" indent="0" algn="l" rtl="0">
@@ -5922,7 +5929,7 @@
               <a:buNone/>
             </a:pPr>
             <a:r>
-              <a:rPr lang="en-IN" sz="1800">
+              <a:rPr lang="en-IN" sz="1800" dirty="0">
                 <a:solidFill>
                   <a:schemeClr val="dk1"/>
                 </a:solidFill>
@@ -5934,7 +5941,19 @@
               <a:t> - </a:t>
             </a:r>
             <a:r>
-              <a:rPr lang="en-IN" sz="1800">
+              <a:rPr lang="en-IN" sz="1800" dirty="0">
+                <a:solidFill>
+                  <a:schemeClr val="dk1"/>
+                </a:solidFill>
+                <a:latin typeface="Times New Roman"/>
+                <a:ea typeface="Calibri"/>
+                <a:cs typeface="Times New Roman"/>
+                <a:sym typeface="Times New Roman"/>
+              </a:rPr>
+              <a:t>Battery</a:t>
+            </a:r>
+            <a:r>
+              <a:rPr lang="en-IN" sz="1800" dirty="0">
                 <a:solidFill>
                   <a:schemeClr val="dk1"/>
                 </a:solidFill>
@@ -5943,10 +5962,10 @@
                 <a:cs typeface="Times New Roman"/>
                 <a:sym typeface="Times New Roman"/>
               </a:rPr>
-              <a:t>Power transmission unit</a:t>
+              <a:t> unit</a:t>
             </a:r>
             <a:r>
-              <a:rPr lang="en-IN" sz="1800">
+              <a:rPr lang="en-IN" sz="1800" dirty="0">
                 <a:solidFill>
                   <a:schemeClr val="dk1"/>
                 </a:solidFill>
@@ -5957,7 +5976,7 @@
               </a:rPr>
               <a:t>: 2500</a:t>
             </a:r>
-            <a:endParaRPr/>
+            <a:endParaRPr dirty="0"/>
           </a:p>
           <a:p>
             <a:pPr marL="0" marR="0" lvl="0" indent="0" algn="l" rtl="0">
@@ -5978,7 +5997,7 @@
               <a:buNone/>
             </a:pPr>
             <a:r>
-              <a:rPr lang="en-IN" sz="1800">
+              <a:rPr lang="en-IN" sz="1800" dirty="0">
                 <a:solidFill>
                   <a:schemeClr val="dk1"/>
                 </a:solidFill>
@@ -5987,9 +6006,9 @@
                 <a:cs typeface="Calibri"/>
                 <a:sym typeface="Calibri"/>
               </a:rPr>
-              <a:t> - DC 12v Stepper Motor : 2000</a:t>
+              <a:t> - Stepper Motor(DC 12v) : 2000</a:t>
             </a:r>
-            <a:endParaRPr/>
+            <a:endParaRPr dirty="0"/>
           </a:p>
           <a:p>
             <a:pPr marL="0" marR="0" lvl="0" indent="0" algn="l" rtl="0">
@@ -6010,7 +6029,7 @@
               <a:buNone/>
             </a:pPr>
             <a:r>
-              <a:rPr lang="en-IN" sz="1800">
+              <a:rPr lang="en-IN" sz="1800" dirty="0">
                 <a:solidFill>
                   <a:schemeClr val="dk1"/>
                 </a:solidFill>
@@ -6021,7 +6040,7 @@
               </a:rPr>
               <a:t> - Motor controller : 300</a:t>
             </a:r>
-            <a:endParaRPr/>
+            <a:endParaRPr dirty="0"/>
           </a:p>
           <a:p>
             <a:pPr marL="0" marR="0" lvl="0" indent="0" algn="l" rtl="0">
@@ -6042,7 +6061,7 @@
               <a:buNone/>
             </a:pPr>
             <a:r>
-              <a:rPr lang="en-IN" sz="1800">
+              <a:rPr lang="en-IN" sz="1800" dirty="0">
                 <a:solidFill>
                   <a:schemeClr val="dk1"/>
                 </a:solidFill>
@@ -6051,9 +6070,9 @@
                 <a:cs typeface="Calibri"/>
                 <a:sym typeface="Calibri"/>
               </a:rPr>
-              <a:t> - Other : 1500</a:t>
+              <a:t> - Miscellaneous : 1500</a:t>
             </a:r>
-            <a:endParaRPr/>
+            <a:endParaRPr dirty="0"/>
           </a:p>
         </p:txBody>
       </p:sp>
@@ -6186,7 +6205,7 @@
         </p:nvGraphicFramePr>
         <p:xfrm>
           <a:off x="864037" y="1914862"/>
-          <a:ext cx="3000000" cy="3000000"/>
+          <a:ext cx="12421625" cy="5467900"/>
         </p:xfrm>
         <a:graphic>
           <a:graphicData uri="http://schemas.openxmlformats.org/drawingml/2006/table">
@@ -10647,7 +10666,7 @@
         </p:nvSpPr>
         <p:spPr>
           <a:xfrm>
-            <a:off x="0" y="0"/>
+            <a:off x="11430" y="22860"/>
             <a:ext cx="14630400" cy="8229600"/>
           </a:xfrm>
           <a:prstGeom prst="rect">
@@ -11018,8 +11037,8 @@
         </p:nvSpPr>
         <p:spPr>
           <a:xfrm>
-            <a:off x="1539954" y="1540311"/>
-            <a:ext cx="11550372" cy="4247317"/>
+            <a:off x="1539954" y="2263606"/>
+            <a:ext cx="11550372" cy="2800726"/>
           </a:xfrm>
           <a:prstGeom prst="rect">
             <a:avLst/>
@@ -11053,7 +11072,7 @@
               <a:buChar char="•"/>
             </a:pPr>
             <a:r>
-              <a:rPr lang="en-IN" sz="1800" b="1" i="0" u="none" strike="noStrike" cap="none">
+              <a:rPr lang="en-IN" sz="1800" b="1" i="0" u="none" strike="noStrike" cap="none" dirty="0">
                 <a:solidFill>
                   <a:schemeClr val="dk1"/>
                 </a:solidFill>
@@ -11065,7 +11084,7 @@
               <a:t>Increased</a:t>
             </a:r>
             <a:r>
-              <a:rPr lang="en-IN" sz="1800" b="1">
+              <a:rPr lang="en-IN" sz="1800" b="1" dirty="0">
                 <a:solidFill>
                   <a:schemeClr val="dk1"/>
                 </a:solidFill>
@@ -11073,7 +11092,7 @@
               <a:t> Production of the Crop</a:t>
             </a:r>
             <a:r>
-              <a:rPr lang="en-IN" sz="1800" b="1" i="0" u="none" strike="noStrike" cap="none">
+              <a:rPr lang="en-IN" sz="1800" b="1" i="0" u="none" strike="noStrike" cap="none" dirty="0">
                 <a:solidFill>
                   <a:schemeClr val="dk1"/>
                 </a:solidFill>
@@ -11084,7 +11103,7 @@
               </a:rPr>
               <a:t>:</a:t>
             </a:r>
-            <a:endParaRPr sz="1800" b="0" i="0" u="none" strike="noStrike" cap="none">
+            <a:endParaRPr sz="1800" b="0" i="0" u="none" strike="noStrike" cap="none" dirty="0">
               <a:solidFill>
                 <a:schemeClr val="dk1"/>
               </a:solidFill>
@@ -11113,7 +11132,7 @@
               <a:buChar char="•"/>
             </a:pPr>
             <a:r>
-              <a:rPr lang="en-IN" sz="1800" b="0" i="0" u="none" strike="noStrike" cap="none">
+              <a:rPr lang="en-IN" sz="1800" b="0" i="0" u="none" strike="noStrike" cap="none" dirty="0">
                 <a:solidFill>
                   <a:schemeClr val="dk1"/>
                 </a:solidFill>
@@ -11124,7 +11143,7 @@
               </a:rPr>
               <a:t>Improved rice yields due to resource management.</a:t>
             </a:r>
-            <a:endParaRPr/>
+            <a:endParaRPr dirty="0"/>
           </a:p>
           <a:p>
             <a:pPr marL="0" marR="0" lvl="0" indent="0" algn="l" rtl="0">
@@ -11144,7 +11163,7 @@
               <a:buFont typeface="Calibri"/>
               <a:buNone/>
             </a:pPr>
-            <a:endParaRPr sz="1800" b="0" i="0" u="none" strike="noStrike" cap="none">
+            <a:endParaRPr sz="1800" b="0" i="0" u="none" strike="noStrike" cap="none" dirty="0">
               <a:solidFill>
                 <a:schemeClr val="dk1"/>
               </a:solidFill>
@@ -11173,7 +11192,7 @@
               <a:buChar char="•"/>
             </a:pPr>
             <a:r>
-              <a:rPr lang="en-IN" sz="1800" b="1" i="0" u="none" strike="noStrike" cap="none">
+              <a:rPr lang="en-IN" sz="1800" b="1" i="0" u="none" strike="noStrike" cap="none" dirty="0">
                 <a:solidFill>
                   <a:schemeClr val="dk1"/>
                 </a:solidFill>
@@ -11184,7 +11203,7 @@
               </a:rPr>
               <a:t>Enhanced Quality Control:</a:t>
             </a:r>
-            <a:endParaRPr sz="1800" b="0" i="0" u="none" strike="noStrike" cap="none">
+            <a:endParaRPr sz="1800" b="0" i="0" u="none" strike="noStrike" cap="none" dirty="0">
               <a:solidFill>
                 <a:schemeClr val="dk1"/>
               </a:solidFill>
@@ -11213,7 +11232,7 @@
               <a:buChar char="•"/>
             </a:pPr>
             <a:r>
-              <a:rPr lang="en-IN" sz="1800" b="0" i="0" u="none" strike="noStrike" cap="none">
+              <a:rPr lang="en-IN" sz="1800" b="0" i="0" u="none" strike="noStrike" cap="none" dirty="0">
                 <a:solidFill>
                   <a:schemeClr val="dk1"/>
                 </a:solidFill>
@@ -11224,7 +11243,7 @@
               </a:rPr>
               <a:t>Achieve a improvement in rice quality.</a:t>
             </a:r>
-            <a:endParaRPr/>
+            <a:endParaRPr dirty="0"/>
           </a:p>
           <a:p>
             <a:pPr marL="0" marR="0" lvl="0" indent="0" algn="l" rtl="0">
@@ -11244,7 +11263,7 @@
               <a:buFont typeface="Calibri"/>
               <a:buNone/>
             </a:pPr>
-            <a:endParaRPr sz="1800" b="0" i="0" u="none" strike="noStrike" cap="none">
+            <a:endParaRPr sz="1800" b="0" i="0" u="none" strike="noStrike" cap="none" dirty="0">
               <a:solidFill>
                 <a:schemeClr val="dk1"/>
               </a:solidFill>
@@ -11273,7 +11292,7 @@
               <a:buChar char="•"/>
             </a:pPr>
             <a:r>
-              <a:rPr lang="en-IN" sz="1800" b="1" i="0" u="none" strike="noStrike" cap="none">
+              <a:rPr lang="en-IN" sz="1800" b="1" i="0" u="none" strike="noStrike" cap="none" dirty="0">
                 <a:solidFill>
                   <a:schemeClr val="dk1"/>
                 </a:solidFill>
@@ -11282,9 +11301,9 @@
                 <a:cs typeface="Arial"/>
                 <a:sym typeface="Arial"/>
               </a:rPr>
-              <a:t>Resource Efficiency:</a:t>
+              <a:t>Adoption and Impact:</a:t>
             </a:r>
-            <a:endParaRPr sz="1800" b="0" i="0" u="none" strike="noStrike" cap="none">
+            <a:endParaRPr sz="1800" b="0" i="0" u="none" strike="noStrike" cap="none" dirty="0">
               <a:solidFill>
                 <a:schemeClr val="dk1"/>
               </a:solidFill>
@@ -11313,7 +11332,31 @@
               <a:buChar char="•"/>
             </a:pPr>
             <a:r>
-              <a:rPr lang="en-IN" sz="1800" b="0" i="0" u="none" strike="noStrike" cap="none">
+              <a:rPr lang="en-IN" sz="1800" dirty="0">
+                <a:solidFill>
+                  <a:schemeClr val="dk1"/>
+                </a:solidFill>
+              </a:rPr>
+              <a:t>No need to pay high salary to the </a:t>
+            </a:r>
+            <a:r>
+              <a:rPr lang="en-IN" sz="1800" dirty="0" err="1">
+                <a:solidFill>
+                  <a:schemeClr val="dk1"/>
+                </a:solidFill>
+              </a:rPr>
+              <a:t>labor</a:t>
+            </a:r>
+            <a:r>
+              <a:rPr lang="en-IN" sz="1800" dirty="0">
+                <a:solidFill>
+                  <a:schemeClr val="dk1"/>
+                </a:solidFill>
+              </a:rPr>
+              <a:t> by the</a:t>
+            </a:r>
+            <a:r>
+              <a:rPr lang="en-IN" sz="1800" b="0" i="0" u="none" strike="noStrike" cap="none" dirty="0">
                 <a:solidFill>
                   <a:schemeClr val="dk1"/>
                 </a:solidFill>
@@ -11322,9 +11365,47 @@
                 <a:cs typeface="Arial"/>
                 <a:sym typeface="Arial"/>
               </a:rPr>
-              <a:t>Reduction in water and fertilizer use, contributing to sustainable practices.</a:t>
+              <a:t> farmers, leading to </a:t>
             </a:r>
-            <a:endParaRPr/>
+            <a:r>
+              <a:rPr lang="en-IN" sz="1800" dirty="0">
+                <a:solidFill>
+                  <a:schemeClr val="dk1"/>
+                </a:solidFill>
+              </a:rPr>
+              <a:t>less the overall cost</a:t>
+            </a:r>
+            <a:r>
+              <a:rPr lang="en-IN" sz="1800" b="0" i="0" u="none" strike="noStrike" cap="none" dirty="0">
+                <a:solidFill>
+                  <a:schemeClr val="dk1"/>
+                </a:solidFill>
+                <a:latin typeface="Arial"/>
+                <a:ea typeface="Arial"/>
+                <a:cs typeface="Arial"/>
+                <a:sym typeface="Arial"/>
+              </a:rPr>
+              <a:t> and improve profitability.</a:t>
+            </a:r>
+            <a:endParaRPr dirty="0"/>
+          </a:p>
+          <a:p>
+            <a:pPr marR="0" lvl="0" algn="l" rtl="0">
+              <a:lnSpc>
+                <a:spcPct val="100000"/>
+              </a:lnSpc>
+              <a:spcBef>
+                <a:spcPts val="0"/>
+              </a:spcBef>
+              <a:spcAft>
+                <a:spcPts val="0"/>
+              </a:spcAft>
+              <a:buClr>
+                <a:schemeClr val="dk1"/>
+              </a:buClr>
+              <a:buSzPts val="1800"/>
+            </a:pPr>
+            <a:endParaRPr dirty="0"/>
           </a:p>
           <a:p>
             <a:pPr marL="0" marR="0" lvl="0" indent="0" algn="l" rtl="0">
@@ -11344,235 +11425,7 @@
               <a:buFont typeface="Calibri"/>
               <a:buNone/>
             </a:pPr>
-            <a:endParaRPr sz="1800" b="0" i="0" u="none" strike="noStrike" cap="none">
-              <a:solidFill>
-                <a:schemeClr val="dk1"/>
-              </a:solidFill>
-              <a:latin typeface="Arial"/>
-              <a:ea typeface="Arial"/>
-              <a:cs typeface="Arial"/>
-              <a:sym typeface="Arial"/>
-            </a:endParaRPr>
-          </a:p>
-          <a:p>
-            <a:pPr marL="0" marR="0" lvl="0" indent="-114300" algn="l" rtl="0">
-              <a:lnSpc>
-                <a:spcPct val="100000"/>
-              </a:lnSpc>
-              <a:spcBef>
-                <a:spcPts val="0"/>
-              </a:spcBef>
-              <a:spcAft>
-                <a:spcPts val="0"/>
-              </a:spcAft>
-              <a:buClr>
-                <a:schemeClr val="dk1"/>
-              </a:buClr>
-              <a:buSzPts val="1800"/>
-              <a:buFont typeface="Arial"/>
-              <a:buChar char="•"/>
-            </a:pPr>
-            <a:r>
-              <a:rPr lang="en-IN" sz="1800" b="1" i="0" u="none" strike="noStrike" cap="none">
-                <a:solidFill>
-                  <a:schemeClr val="dk1"/>
-                </a:solidFill>
-                <a:latin typeface="Arial"/>
-                <a:ea typeface="Arial"/>
-                <a:cs typeface="Arial"/>
-                <a:sym typeface="Arial"/>
-              </a:rPr>
-              <a:t>Adoption and Impact:</a:t>
-            </a:r>
-            <a:endParaRPr sz="1800" b="0" i="0" u="none" strike="noStrike" cap="none">
-              <a:solidFill>
-                <a:schemeClr val="dk1"/>
-              </a:solidFill>
-              <a:latin typeface="Arial"/>
-              <a:ea typeface="Arial"/>
-              <a:cs typeface="Arial"/>
-              <a:sym typeface="Arial"/>
-            </a:endParaRPr>
-          </a:p>
-          <a:p>
-            <a:pPr marL="0" marR="0" lvl="0" indent="-114300" algn="l" rtl="0">
-              <a:lnSpc>
-                <a:spcPct val="100000"/>
-              </a:lnSpc>
-              <a:spcBef>
-                <a:spcPts val="0"/>
-              </a:spcBef>
-              <a:spcAft>
-                <a:spcPts val="0"/>
-              </a:spcAft>
-              <a:buClr>
-                <a:schemeClr val="dk1"/>
-              </a:buClr>
-              <a:buSzPts val="1800"/>
-              <a:buFont typeface="Arial"/>
-              <a:buChar char="•"/>
-            </a:pPr>
-            <a:r>
-              <a:rPr lang="en-IN" sz="1800">
-                <a:solidFill>
-                  <a:schemeClr val="dk1"/>
-                </a:solidFill>
-              </a:rPr>
-              <a:t>No need to pay high salary to the labor by the</a:t>
-            </a:r>
-            <a:r>
-              <a:rPr lang="en-IN" sz="1800" b="0" i="0" u="none" strike="noStrike" cap="none">
-                <a:solidFill>
-                  <a:schemeClr val="dk1"/>
-                </a:solidFill>
-                <a:latin typeface="Arial"/>
-                <a:ea typeface="Arial"/>
-                <a:cs typeface="Arial"/>
-                <a:sym typeface="Arial"/>
-              </a:rPr>
-              <a:t> farmers, leading to </a:t>
-            </a:r>
-            <a:r>
-              <a:rPr lang="en-IN" sz="1800">
-                <a:solidFill>
-                  <a:schemeClr val="dk1"/>
-                </a:solidFill>
-              </a:rPr>
-              <a:t>less the overall cost</a:t>
-            </a:r>
-            <a:r>
-              <a:rPr lang="en-IN" sz="1800" b="0" i="0" u="none" strike="noStrike" cap="none">
-                <a:solidFill>
-                  <a:schemeClr val="dk1"/>
-                </a:solidFill>
-                <a:latin typeface="Arial"/>
-                <a:ea typeface="Arial"/>
-                <a:cs typeface="Arial"/>
-                <a:sym typeface="Arial"/>
-              </a:rPr>
-              <a:t> and improve profitability.</a:t>
-            </a:r>
-            <a:endParaRPr/>
-          </a:p>
-          <a:p>
-            <a:pPr marL="0" marR="0" lvl="0" indent="0" algn="l" rtl="0">
-              <a:lnSpc>
-                <a:spcPct val="100000"/>
-              </a:lnSpc>
-              <a:spcBef>
-                <a:spcPts val="0"/>
-              </a:spcBef>
-              <a:spcAft>
-                <a:spcPts val="0"/>
-              </a:spcAft>
-              <a:buClr>
-                <a:schemeClr val="dk1"/>
-              </a:buClr>
-              <a:buSzPts val="1800"/>
-              <a:buFont typeface="Calibri"/>
-              <a:buNone/>
-            </a:pPr>
-            <a:endParaRPr sz="1800" b="0" i="0" u="none" strike="noStrike" cap="none">
-              <a:solidFill>
-                <a:schemeClr val="dk1"/>
-              </a:solidFill>
-              <a:latin typeface="Arial"/>
-              <a:ea typeface="Arial"/>
-              <a:cs typeface="Arial"/>
-              <a:sym typeface="Arial"/>
-            </a:endParaRPr>
-          </a:p>
-          <a:p>
-            <a:pPr marL="0" marR="0" lvl="0" indent="-114300" algn="l" rtl="0">
-              <a:lnSpc>
-                <a:spcPct val="100000"/>
-              </a:lnSpc>
-              <a:spcBef>
-                <a:spcPts val="0"/>
-              </a:spcBef>
-              <a:spcAft>
-                <a:spcPts val="0"/>
-              </a:spcAft>
-              <a:buClr>
-                <a:schemeClr val="dk1"/>
-              </a:buClr>
-              <a:buSzPts val="1800"/>
-              <a:buFont typeface="Arial"/>
-              <a:buChar char="•"/>
-            </a:pPr>
-            <a:r>
-              <a:rPr lang="en-IN" sz="1800" b="1" i="0" u="none" strike="noStrike" cap="none">
-                <a:solidFill>
-                  <a:schemeClr val="dk1"/>
-                </a:solidFill>
-                <a:latin typeface="Arial"/>
-                <a:ea typeface="Arial"/>
-                <a:cs typeface="Arial"/>
-                <a:sym typeface="Arial"/>
-              </a:rPr>
-              <a:t>Environmental Benefits:</a:t>
-            </a:r>
-            <a:endParaRPr sz="1800" b="0" i="0" u="none" strike="noStrike" cap="none">
-              <a:solidFill>
-                <a:schemeClr val="dk1"/>
-              </a:solidFill>
-              <a:latin typeface="Arial"/>
-              <a:ea typeface="Arial"/>
-              <a:cs typeface="Arial"/>
-              <a:sym typeface="Arial"/>
-            </a:endParaRPr>
-          </a:p>
-          <a:p>
-            <a:pPr marL="0" marR="0" lvl="0" indent="-114300" algn="l" rtl="0">
-              <a:lnSpc>
-                <a:spcPct val="100000"/>
-              </a:lnSpc>
-              <a:spcBef>
-                <a:spcPts val="0"/>
-              </a:spcBef>
-              <a:spcAft>
-                <a:spcPts val="0"/>
-              </a:spcAft>
-              <a:buClr>
-                <a:schemeClr val="dk1"/>
-              </a:buClr>
-              <a:buSzPts val="1800"/>
-              <a:buFont typeface="Arial"/>
-              <a:buChar char="•"/>
-            </a:pPr>
-            <a:r>
-              <a:rPr lang="en-IN" sz="1800" b="0" i="0" u="none" strike="noStrike" cap="none">
-                <a:solidFill>
-                  <a:schemeClr val="dk1"/>
-                </a:solidFill>
-                <a:latin typeface="Arial"/>
-                <a:ea typeface="Arial"/>
-                <a:cs typeface="Arial"/>
-                <a:sym typeface="Arial"/>
-              </a:rPr>
-              <a:t>Significant reduction in environmental impact through optimized resource use.</a:t>
-            </a:r>
-            <a:endParaRPr/>
-          </a:p>
-          <a:p>
-            <a:pPr marL="0" marR="0" lvl="0" indent="0" algn="l" rtl="0">
-              <a:lnSpc>
-                <a:spcPct val="100000"/>
-              </a:lnSpc>
-              <a:spcBef>
-                <a:spcPts val="0"/>
-              </a:spcBef>
-              <a:spcAft>
-                <a:spcPts val="0"/>
-              </a:spcAft>
-              <a:buClr>
-                <a:schemeClr val="dk1"/>
-              </a:buClr>
-              <a:buSzPts val="1800"/>
-              <a:buFont typeface="Calibri"/>
-              <a:buNone/>
-            </a:pPr>
-            <a:endParaRPr sz="1800" b="0" i="0" u="none" strike="noStrike" cap="none">
+            <a:endParaRPr sz="1800" b="0" i="0" u="none" strike="noStrike" cap="none" dirty="0">
               <a:solidFill>
                 <a:schemeClr val="dk1"/>
               </a:solidFill>
@@ -11788,7 +11641,7 @@
               <a:buNone/>
             </a:pPr>
             <a:r>
-              <a:rPr lang="en-IN" sz="2000" i="1">
+              <a:rPr lang="en-IN" sz="2000" i="1" dirty="0">
                 <a:solidFill>
                   <a:schemeClr val="dk1"/>
                 </a:solidFill>
@@ -11800,7 +11653,7 @@
               <a:t>Agribot: Rice Plantation and AI-Driven Quality Insights</a:t>
             </a:r>
             <a:r>
-              <a:rPr lang="en-IN" sz="2000">
+              <a:rPr lang="en-IN" sz="2000" dirty="0">
                 <a:solidFill>
                   <a:schemeClr val="dk1"/>
                 </a:solidFill>
@@ -11809,10 +11662,10 @@
                 <a:cs typeface="Calibri"/>
                 <a:sym typeface="Calibri"/>
               </a:rPr>
-              <a:t> aims to revolutionize rice farming by integrating AI technology with real-time data monitoring to optimize water management, enhance crop quality, and promote sustainable practices. By addressing the inefficiencies and challenges in traditional rice farming, </a:t>
+              <a:t> aims to revolutionize rice farming by integrating AI technology with data monitoring to optimize enhance crop quality, and promote sustainable practices. By addressing the inefficiencies and challenges in traditional rice farming, </a:t>
             </a:r>
             <a:r>
-              <a:rPr lang="en-IN" sz="2000" i="1">
+              <a:rPr lang="en-IN" sz="2000" i="1" dirty="0">
                 <a:solidFill>
                   <a:schemeClr val="dk1"/>
                 </a:solidFill>
@@ -11824,7 +11677,7 @@
               <a:t>Agribot</a:t>
             </a:r>
             <a:r>
-              <a:rPr lang="en-IN" sz="2000">
+              <a:rPr lang="en-IN" sz="2000" dirty="0">
                 <a:solidFill>
                   <a:schemeClr val="dk1"/>
                 </a:solidFill>
@@ -11833,9 +11686,9 @@
                 <a:cs typeface="Calibri"/>
                 <a:sym typeface="Calibri"/>
               </a:rPr>
-              <a:t> seeks to improve yields, reduce resource usage, and achieve high-quality production while ensuring environmental stewardship.</a:t>
+              <a:t> seeks to improve yields and achieve high-quality production while ensuring environmental stewardship.</a:t>
             </a:r>
-            <a:endParaRPr sz="2000">
+            <a:endParaRPr sz="2000" dirty="0">
               <a:solidFill>
                 <a:schemeClr val="dk1"/>
               </a:solidFill>
@@ -11858,7 +11711,7 @@
               </a:spcAft>
               <a:buNone/>
             </a:pPr>
-            <a:endParaRPr sz="1800">
+            <a:endParaRPr sz="1800" dirty="0">
               <a:solidFill>
                 <a:schemeClr val="dk1"/>
               </a:solidFill>
@@ -12068,7 +11921,7 @@
               <a:buNone/>
             </a:pPr>
             <a:r>
-              <a:rPr lang="en-IN" sz="1800">
+              <a:rPr lang="en-IN" sz="1800" dirty="0">
                 <a:solidFill>
                   <a:schemeClr val="dk1"/>
                 </a:solidFill>
@@ -12077,9 +11930,105 @@
                 <a:cs typeface="Calibri"/>
                 <a:sym typeface="Calibri"/>
               </a:rPr>
-              <a:t>1] Effect for a Paddy Weeding Robot in Wet Rice Culture Hitoshi Sori∗, Hiroyuki Inoue∗, Hiroyuki Hatta∗∗, and Yasuhiro Ando∗∗ ∗National Institute of Technology, Tsuyama College 624-1 Numa, Tsuyama-city, Okayama 708-8509, Japan E-mail: sori@tsuyama-ct.ac.jp ∗∗IKOMA Robotech Corporation 634-28 Toshima, Tsuyama-city, Okayama 708-0016, Japan [Received September 20, 2017; accepted February 27, 2018]</a:t>
+              <a:t>[1] Effect for a Paddy Weeding Robot in Wet Rice Culture Hitoshi Sori∗, Hiroyuki Inoue∗, Hiroyuki Hatta∗∗, and Yasuhiro Ando∗∗ ∗National Institute of Technology, </a:t>
             </a:r>
-            <a:endParaRPr/>
+            <a:r>
+              <a:rPr lang="en-IN" sz="1800" dirty="0" err="1">
+                <a:solidFill>
+                  <a:schemeClr val="dk1"/>
+                </a:solidFill>
+                <a:latin typeface="Calibri"/>
+                <a:ea typeface="Calibri"/>
+                <a:cs typeface="Calibri"/>
+                <a:sym typeface="Calibri"/>
+              </a:rPr>
+              <a:t>Tsuyama</a:t>
+            </a:r>
+            <a:r>
+              <a:rPr lang="en-IN" sz="1800" dirty="0">
+                <a:solidFill>
+                  <a:schemeClr val="dk1"/>
+                </a:solidFill>
+                <a:latin typeface="Calibri"/>
+                <a:ea typeface="Calibri"/>
+                <a:cs typeface="Calibri"/>
+                <a:sym typeface="Calibri"/>
+              </a:rPr>
+              <a:t> College 624-1 Numa, </a:t>
+            </a:r>
+            <a:r>
+              <a:rPr lang="en-IN" sz="1800" dirty="0" err="1">
+                <a:solidFill>
+                  <a:schemeClr val="dk1"/>
+                </a:solidFill>
+                <a:latin typeface="Calibri"/>
+                <a:ea typeface="Calibri"/>
+                <a:cs typeface="Calibri"/>
+                <a:sym typeface="Calibri"/>
+              </a:rPr>
+              <a:t>Tsuyama</a:t>
+            </a:r>
+            <a:r>
+              <a:rPr lang="en-IN" sz="1800" dirty="0">
+                <a:solidFill>
+                  <a:schemeClr val="dk1"/>
+                </a:solidFill>
+                <a:latin typeface="Calibri"/>
+                <a:ea typeface="Calibri"/>
+                <a:cs typeface="Calibri"/>
+                <a:sym typeface="Calibri"/>
+              </a:rPr>
+              <a:t>-city, Okayama 708-8509, Japan E-mail: sori@tsuyama-ct.ac.jp ∗∗IKOMA </a:t>
+            </a:r>
+            <a:r>
+              <a:rPr lang="en-IN" sz="1800" dirty="0" err="1">
+                <a:solidFill>
+                  <a:schemeClr val="dk1"/>
+                </a:solidFill>
+                <a:latin typeface="Calibri"/>
+                <a:ea typeface="Calibri"/>
+                <a:cs typeface="Calibri"/>
+                <a:sym typeface="Calibri"/>
+              </a:rPr>
+              <a:t>Robotech</a:t>
+            </a:r>
+            <a:r>
+              <a:rPr lang="en-IN" sz="1800" dirty="0">
+                <a:solidFill>
+                  <a:schemeClr val="dk1"/>
+                </a:solidFill>
+                <a:latin typeface="Calibri"/>
+                <a:ea typeface="Calibri"/>
+                <a:cs typeface="Calibri"/>
+                <a:sym typeface="Calibri"/>
+              </a:rPr>
+              <a:t> Corporation 634-28 Toshima, </a:t>
+            </a:r>
+            <a:r>
+              <a:rPr lang="en-IN" sz="1800" dirty="0" err="1">
+                <a:solidFill>
+                  <a:schemeClr val="dk1"/>
+                </a:solidFill>
+                <a:latin typeface="Calibri"/>
+                <a:ea typeface="Calibri"/>
+                <a:cs typeface="Calibri"/>
+                <a:sym typeface="Calibri"/>
+              </a:rPr>
+              <a:t>Tsuyama</a:t>
+            </a:r>
+            <a:r>
+              <a:rPr lang="en-IN" sz="1800" dirty="0">
+                <a:solidFill>
+                  <a:schemeClr val="dk1"/>
+                </a:solidFill>
+                <a:latin typeface="Calibri"/>
+                <a:ea typeface="Calibri"/>
+                <a:cs typeface="Calibri"/>
+                <a:sym typeface="Calibri"/>
+              </a:rPr>
+              <a:t>-city, Okayama 708-0016, Japan [Received September 20, 2017; accepted February 27, 2018]</a:t>
+            </a:r>
+            <a:endParaRPr dirty="0"/>
           </a:p>
           <a:p>
             <a:pPr marL="0" marR="0" lvl="0" indent="0" algn="l" rtl="0">
@@ -12099,7 +12048,7 @@
               <a:buFont typeface="Calibri"/>
               <a:buNone/>
             </a:pPr>
-            <a:endParaRPr sz="1800">
+            <a:endParaRPr sz="1800" dirty="0">
               <a:solidFill>
                 <a:schemeClr val="dk1"/>
               </a:solidFill>
@@ -12128,7 +12077,7 @@
               <a:buNone/>
             </a:pPr>
             <a:r>
-              <a:rPr lang="en-IN" sz="1800">
+              <a:rPr lang="en-IN" sz="1800" dirty="0">
                 <a:solidFill>
                   <a:schemeClr val="dk1"/>
                 </a:solidFill>
@@ -12137,9 +12086,105 @@
                 <a:cs typeface="Calibri"/>
                 <a:sym typeface="Calibri"/>
               </a:rPr>
-              <a:t>2] Smart farming for improving agricultural management Elsayed Said Mohamed a,⇑ , AA. Belal a , Sameh Kotb Abd-Elmabod b , Mohammed A El-Shirbeny a , A. Gad a , Mohamed B Zahran a aNational Authority for Remote Sensing and Space Sciences (NARSS), Cairo 11843, Egypt b Soils &amp; Water Use Department, Agricultural and Biological Research Division, National Research Centre, Cairo 12622, Egypt</a:t>
+              <a:t>[2] Smart farming for improving agricultural management Elsayed Said Mohamed a,⇑ , AA. Belal a , Sameh </a:t>
             </a:r>
-            <a:endParaRPr/>
+            <a:r>
+              <a:rPr lang="en-IN" sz="1800" dirty="0" err="1">
+                <a:solidFill>
+                  <a:schemeClr val="dk1"/>
+                </a:solidFill>
+                <a:latin typeface="Calibri"/>
+                <a:ea typeface="Calibri"/>
+                <a:cs typeface="Calibri"/>
+                <a:sym typeface="Calibri"/>
+              </a:rPr>
+              <a:t>Kotb</a:t>
+            </a:r>
+            <a:r>
+              <a:rPr lang="en-IN" sz="1800" dirty="0">
+                <a:solidFill>
+                  <a:schemeClr val="dk1"/>
+                </a:solidFill>
+                <a:latin typeface="Calibri"/>
+                <a:ea typeface="Calibri"/>
+                <a:cs typeface="Calibri"/>
+                <a:sym typeface="Calibri"/>
+              </a:rPr>
+              <a:t> Abd-</a:t>
+            </a:r>
+            <a:r>
+              <a:rPr lang="en-IN" sz="1800" dirty="0" err="1">
+                <a:solidFill>
+                  <a:schemeClr val="dk1"/>
+                </a:solidFill>
+                <a:latin typeface="Calibri"/>
+                <a:ea typeface="Calibri"/>
+                <a:cs typeface="Calibri"/>
+                <a:sym typeface="Calibri"/>
+              </a:rPr>
+              <a:t>Elmabod</a:t>
+            </a:r>
+            <a:r>
+              <a:rPr lang="en-IN" sz="1800" dirty="0">
+                <a:solidFill>
+                  <a:schemeClr val="dk1"/>
+                </a:solidFill>
+                <a:latin typeface="Calibri"/>
+                <a:ea typeface="Calibri"/>
+                <a:cs typeface="Calibri"/>
+                <a:sym typeface="Calibri"/>
+              </a:rPr>
+              <a:t> b , Mohammed A El-</a:t>
+            </a:r>
+            <a:r>
+              <a:rPr lang="en-IN" sz="1800" dirty="0" err="1">
+                <a:solidFill>
+                  <a:schemeClr val="dk1"/>
+                </a:solidFill>
+                <a:latin typeface="Calibri"/>
+                <a:ea typeface="Calibri"/>
+                <a:cs typeface="Calibri"/>
+                <a:sym typeface="Calibri"/>
+              </a:rPr>
+              <a:t>Shirbeny</a:t>
+            </a:r>
+            <a:r>
+              <a:rPr lang="en-IN" sz="1800" dirty="0">
+                <a:solidFill>
+                  <a:schemeClr val="dk1"/>
+                </a:solidFill>
+                <a:latin typeface="Calibri"/>
+                <a:ea typeface="Calibri"/>
+                <a:cs typeface="Calibri"/>
+                <a:sym typeface="Calibri"/>
+              </a:rPr>
+              <a:t> a , A. Gad a , Mohamed B Zahran a </a:t>
+            </a:r>
+            <a:r>
+              <a:rPr lang="en-IN" sz="1800" dirty="0" err="1">
+                <a:solidFill>
+                  <a:schemeClr val="dk1"/>
+                </a:solidFill>
+                <a:latin typeface="Calibri"/>
+                <a:ea typeface="Calibri"/>
+                <a:cs typeface="Calibri"/>
+                <a:sym typeface="Calibri"/>
+              </a:rPr>
+              <a:t>aNational</a:t>
+            </a:r>
+            <a:r>
+              <a:rPr lang="en-IN" sz="1800" dirty="0">
+                <a:solidFill>
+                  <a:schemeClr val="dk1"/>
+                </a:solidFill>
+                <a:latin typeface="Calibri"/>
+                <a:ea typeface="Calibri"/>
+                <a:cs typeface="Calibri"/>
+                <a:sym typeface="Calibri"/>
+              </a:rPr>
+              <a:t> Authority for Remote Sensing and Space Sciences (NARSS), Cairo 11843, Egypt b Soils &amp; Water Use Department, Agricultural and Biological Research Division, National Research Centre, Cairo 12622, Egypt</a:t>
+            </a:r>
+            <a:endParaRPr dirty="0"/>
           </a:p>
           <a:p>
             <a:pPr marL="0" marR="0" lvl="0" indent="0" algn="l" rtl="0">
@@ -12159,7 +12204,7 @@
               <a:buFont typeface="Calibri"/>
               <a:buNone/>
             </a:pPr>
-            <a:endParaRPr sz="1800">
+            <a:endParaRPr sz="1800" dirty="0">
               <a:solidFill>
                 <a:schemeClr val="dk1"/>
               </a:solidFill>
@@ -12188,7 +12233,7 @@
               <a:buNone/>
             </a:pPr>
             <a:r>
-              <a:rPr lang="en-IN" sz="1800">
+              <a:rPr lang="en-IN" sz="1800" dirty="0">
                 <a:solidFill>
                   <a:schemeClr val="dk1"/>
                 </a:solidFill>
@@ -12197,9 +12242,129 @@
                 <a:cs typeface="Calibri"/>
                 <a:sym typeface="Calibri"/>
               </a:rPr>
-              <a:t>3] Image Processing Techniques for Diagnosing Rice Plant Disease: A Survey Prabira Kumar Sethya *, Nalini Kanta Barpandaa , Amiya Kumar Rathb , Santi Kumari Beherab a Department of Electronics, Sambalpur University, Jyoti Vihar, Burla and 768019, India b Department of Computer Science and Engineering, Veer Surendra Sai University of Technology, Burla and 768017, India </a:t>
+              <a:t>[3] Image Processing Techniques for Diagnosing Rice Plant Disease: A Survey </a:t>
             </a:r>
-            <a:endParaRPr/>
+            <a:r>
+              <a:rPr lang="en-IN" sz="1800" dirty="0" err="1">
+                <a:solidFill>
+                  <a:schemeClr val="dk1"/>
+                </a:solidFill>
+                <a:latin typeface="Calibri"/>
+                <a:ea typeface="Calibri"/>
+                <a:cs typeface="Calibri"/>
+                <a:sym typeface="Calibri"/>
+              </a:rPr>
+              <a:t>Prabira</a:t>
+            </a:r>
+            <a:r>
+              <a:rPr lang="en-IN" sz="1800" dirty="0">
+                <a:solidFill>
+                  <a:schemeClr val="dk1"/>
+                </a:solidFill>
+                <a:latin typeface="Calibri"/>
+                <a:ea typeface="Calibri"/>
+                <a:cs typeface="Calibri"/>
+                <a:sym typeface="Calibri"/>
+              </a:rPr>
+              <a:t> Kumar </a:t>
+            </a:r>
+            <a:r>
+              <a:rPr lang="en-IN" sz="1800" dirty="0" err="1">
+                <a:solidFill>
+                  <a:schemeClr val="dk1"/>
+                </a:solidFill>
+                <a:latin typeface="Calibri"/>
+                <a:ea typeface="Calibri"/>
+                <a:cs typeface="Calibri"/>
+                <a:sym typeface="Calibri"/>
+              </a:rPr>
+              <a:t>Sethya</a:t>
+            </a:r>
+            <a:r>
+              <a:rPr lang="en-IN" sz="1800" dirty="0">
+                <a:solidFill>
+                  <a:schemeClr val="dk1"/>
+                </a:solidFill>
+                <a:latin typeface="Calibri"/>
+                <a:ea typeface="Calibri"/>
+                <a:cs typeface="Calibri"/>
+                <a:sym typeface="Calibri"/>
+              </a:rPr>
+              <a:t> *, Nalini Kanta </a:t>
+            </a:r>
+            <a:r>
+              <a:rPr lang="en-IN" sz="1800" dirty="0" err="1">
+                <a:solidFill>
+                  <a:schemeClr val="dk1"/>
+                </a:solidFill>
+                <a:latin typeface="Calibri"/>
+                <a:ea typeface="Calibri"/>
+                <a:cs typeface="Calibri"/>
+                <a:sym typeface="Calibri"/>
+              </a:rPr>
+              <a:t>Barpandaa</a:t>
+            </a:r>
+            <a:r>
+              <a:rPr lang="en-IN" sz="1800" dirty="0">
+                <a:solidFill>
+                  <a:schemeClr val="dk1"/>
+                </a:solidFill>
+                <a:latin typeface="Calibri"/>
+                <a:ea typeface="Calibri"/>
+                <a:cs typeface="Calibri"/>
+                <a:sym typeface="Calibri"/>
+              </a:rPr>
+              <a:t> , Amiya Kumar </a:t>
+            </a:r>
+            <a:r>
+              <a:rPr lang="en-IN" sz="1800" dirty="0" err="1">
+                <a:solidFill>
+                  <a:schemeClr val="dk1"/>
+                </a:solidFill>
+                <a:latin typeface="Calibri"/>
+                <a:ea typeface="Calibri"/>
+                <a:cs typeface="Calibri"/>
+                <a:sym typeface="Calibri"/>
+              </a:rPr>
+              <a:t>Rathb</a:t>
+            </a:r>
+            <a:r>
+              <a:rPr lang="en-IN" sz="1800" dirty="0">
+                <a:solidFill>
+                  <a:schemeClr val="dk1"/>
+                </a:solidFill>
+                <a:latin typeface="Calibri"/>
+                <a:ea typeface="Calibri"/>
+                <a:cs typeface="Calibri"/>
+                <a:sym typeface="Calibri"/>
+              </a:rPr>
+              <a:t> , Santi Kumari </a:t>
+            </a:r>
+            <a:r>
+              <a:rPr lang="en-IN" sz="1800" dirty="0" err="1">
+                <a:solidFill>
+                  <a:schemeClr val="dk1"/>
+                </a:solidFill>
+                <a:latin typeface="Calibri"/>
+                <a:ea typeface="Calibri"/>
+                <a:cs typeface="Calibri"/>
+                <a:sym typeface="Calibri"/>
+              </a:rPr>
+              <a:t>Beherab</a:t>
+            </a:r>
+            <a:r>
+              <a:rPr lang="en-IN" sz="1800" dirty="0">
+                <a:solidFill>
+                  <a:schemeClr val="dk1"/>
+                </a:solidFill>
+                <a:latin typeface="Calibri"/>
+                <a:ea typeface="Calibri"/>
+                <a:cs typeface="Calibri"/>
+                <a:sym typeface="Calibri"/>
+              </a:rPr>
+              <a:t> a Department of Electronics, Sambalpur University, Jyoti Vihar, Burla and 768019, India b Department of Computer Science and Engineering, Veer Surendra Sai University of Technology, Burla and 768017, India </a:t>
+            </a:r>
+            <a:endParaRPr dirty="0"/>
           </a:p>
           <a:p>
             <a:pPr marL="0" marR="0" lvl="0" indent="0" algn="l" rtl="0">
@@ -12219,7 +12384,7 @@
               <a:buFont typeface="Calibri"/>
               <a:buNone/>
             </a:pPr>
-            <a:endParaRPr sz="1800">
+            <a:endParaRPr sz="1800" dirty="0">
               <a:solidFill>
                 <a:schemeClr val="dk1"/>
               </a:solidFill>
@@ -12248,7 +12413,7 @@
               <a:buNone/>
             </a:pPr>
             <a:r>
-              <a:rPr lang="en-IN" sz="1800">
+              <a:rPr lang="en-IN" sz="1800" dirty="0">
                 <a:solidFill>
                   <a:schemeClr val="dk1"/>
                 </a:solidFill>
@@ -12257,9 +12422,105 @@
                 <a:cs typeface="Calibri"/>
                 <a:sym typeface="Calibri"/>
               </a:rPr>
-              <a:t>4] Rice Grain Identification and Quality Analysis using Image Processing based on Principal Component Analysis Muhammad Junaid Asif [1], [4], Tayyab Shahbaz [2], Dr. Syed Tahir Hussain Rizvi [3], Sajid Iqbal[1] [1] Department of Mechatronics &amp; Control Engineering, University of Engineering &amp; Technology, Lahore. [2] Department of Electrical Engineering, University of Engineering &amp; Technology, Lahore. [3] Dipartimento di Automatica e Informatica, Politecnico di Torino, Turin, Italy. [4] R&amp;D Engineer, AMBER Capacitors Limited, Lahore, Pakistan. </a:t>
+              <a:t>[4] Rice Grain Identification and Quality Analysis using Image Processing based on Principal Component Analysis Muhammad Junaid Asif [1], [4], Tayyab Shahbaz [2], </a:t>
             </a:r>
-            <a:endParaRPr/>
+            <a:r>
+              <a:rPr lang="en-IN" sz="1800" dirty="0" err="1">
+                <a:solidFill>
+                  <a:schemeClr val="dk1"/>
+                </a:solidFill>
+                <a:latin typeface="Calibri"/>
+                <a:ea typeface="Calibri"/>
+                <a:cs typeface="Calibri"/>
+                <a:sym typeface="Calibri"/>
+              </a:rPr>
+              <a:t>Dr.</a:t>
+            </a:r>
+            <a:r>
+              <a:rPr lang="en-IN" sz="1800" dirty="0">
+                <a:solidFill>
+                  <a:schemeClr val="dk1"/>
+                </a:solidFill>
+                <a:latin typeface="Calibri"/>
+                <a:ea typeface="Calibri"/>
+                <a:cs typeface="Calibri"/>
+                <a:sym typeface="Calibri"/>
+              </a:rPr>
+              <a:t> Syed Tahir Hussain Rizvi [3], Sajid Iqbal[1] [1] Department of Mechatronics &amp; Control Engineering, University of Engineering &amp; Technology, Lahore. [2] Department of Electrical Engineering, University of Engineering &amp; Technology, Lahore. [3] </a:t>
+            </a:r>
+            <a:r>
+              <a:rPr lang="en-IN" sz="1800" dirty="0" err="1">
+                <a:solidFill>
+                  <a:schemeClr val="dk1"/>
+                </a:solidFill>
+                <a:latin typeface="Calibri"/>
+                <a:ea typeface="Calibri"/>
+                <a:cs typeface="Calibri"/>
+                <a:sym typeface="Calibri"/>
+              </a:rPr>
+              <a:t>Dipartimento</a:t>
+            </a:r>
+            <a:r>
+              <a:rPr lang="en-IN" sz="1800" dirty="0">
+                <a:solidFill>
+                  <a:schemeClr val="dk1"/>
+                </a:solidFill>
+                <a:latin typeface="Calibri"/>
+                <a:ea typeface="Calibri"/>
+                <a:cs typeface="Calibri"/>
+                <a:sym typeface="Calibri"/>
+              </a:rPr>
+              <a:t> di </a:t>
+            </a:r>
+            <a:r>
+              <a:rPr lang="en-IN" sz="1800" dirty="0" err="1">
+                <a:solidFill>
+                  <a:schemeClr val="dk1"/>
+                </a:solidFill>
+                <a:latin typeface="Calibri"/>
+                <a:ea typeface="Calibri"/>
+                <a:cs typeface="Calibri"/>
+                <a:sym typeface="Calibri"/>
+              </a:rPr>
+              <a:t>Automatica</a:t>
+            </a:r>
+            <a:r>
+              <a:rPr lang="en-IN" sz="1800" dirty="0">
+                <a:solidFill>
+                  <a:schemeClr val="dk1"/>
+                </a:solidFill>
+                <a:latin typeface="Calibri"/>
+                <a:ea typeface="Calibri"/>
+                <a:cs typeface="Calibri"/>
+                <a:sym typeface="Calibri"/>
+              </a:rPr>
+              <a:t> e Informatica, </a:t>
+            </a:r>
+            <a:r>
+              <a:rPr lang="en-IN" sz="1800" dirty="0" err="1">
+                <a:solidFill>
+                  <a:schemeClr val="dk1"/>
+                </a:solidFill>
+                <a:latin typeface="Calibri"/>
+                <a:ea typeface="Calibri"/>
+                <a:cs typeface="Calibri"/>
+                <a:sym typeface="Calibri"/>
+              </a:rPr>
+              <a:t>Politecnico</a:t>
+            </a:r>
+            <a:r>
+              <a:rPr lang="en-IN" sz="1800" dirty="0">
+                <a:solidFill>
+                  <a:schemeClr val="dk1"/>
+                </a:solidFill>
+                <a:latin typeface="Calibri"/>
+                <a:ea typeface="Calibri"/>
+                <a:cs typeface="Calibri"/>
+                <a:sym typeface="Calibri"/>
+              </a:rPr>
+              <a:t> di Torino, Turin, Italy. [4] R&amp;D Engineer, AMBER Capacitors Limited, Lahore, Pakistan. </a:t>
+            </a:r>
+            <a:endParaRPr dirty="0"/>
           </a:p>
           <a:p>
             <a:pPr marL="0" marR="0" lvl="0" indent="0" algn="l" rtl="0">
@@ -12279,7 +12540,7 @@
               <a:buFont typeface="Calibri"/>
               <a:buNone/>
             </a:pPr>
-            <a:endParaRPr sz="2000">
+            <a:endParaRPr sz="2000" dirty="0">
               <a:solidFill>
                 <a:schemeClr val="dk1"/>
               </a:solidFill>
@@ -12307,7 +12568,7 @@
               <a:buFont typeface="Calibri"/>
               <a:buNone/>
             </a:pPr>
-            <a:endParaRPr sz="2000" b="0" i="0" u="none" strike="noStrike" cap="none">
+            <a:endParaRPr sz="2000" b="0" i="0" u="none" strike="noStrike" cap="none" dirty="0">
               <a:solidFill>
                 <a:schemeClr val="dk1"/>
               </a:solidFill>
@@ -12483,7 +12744,7 @@
         <p:spPr>
           <a:xfrm>
             <a:off x="444488" y="1361733"/>
-            <a:ext cx="12349779" cy="5909310"/>
+            <a:ext cx="12349779" cy="6186269"/>
           </a:xfrm>
           <a:prstGeom prst="rect">
             <a:avLst/>
@@ -12509,7 +12770,7 @@
               <a:buNone/>
             </a:pPr>
             <a:r>
-              <a:rPr lang="en-IN" sz="1800">
+              <a:rPr lang="en-IN" sz="1800" dirty="0">
                 <a:solidFill>
                   <a:schemeClr val="dk1"/>
                 </a:solidFill>
@@ -12518,9 +12779,105 @@
                 <a:cs typeface="Calibri"/>
                 <a:sym typeface="Calibri"/>
               </a:rPr>
-              <a:t>5] ROBOTICS APPLICATION IN AGRICULTURE Pramod Kumar Sahoo,Dilip Kumar Kushwaha, NrusinghCharanPradhan, YashMakwana, Mohit Kumar, MahendraJatoliya,MudeArjunNaik, Indra Mani Division of Agricultural Engineering, Indian Agricultural Research Institute, New Delhi 110012, India.</a:t>
+              <a:t>[5] ROBOTICS APPLICATION IN AGRICULTURE Pramod Kumar </a:t>
             </a:r>
-            <a:endParaRPr/>
+            <a:r>
+              <a:rPr lang="en-IN" sz="1800" dirty="0" err="1">
+                <a:solidFill>
+                  <a:schemeClr val="dk1"/>
+                </a:solidFill>
+                <a:latin typeface="Calibri"/>
+                <a:ea typeface="Calibri"/>
+                <a:cs typeface="Calibri"/>
+                <a:sym typeface="Calibri"/>
+              </a:rPr>
+              <a:t>Sahoo,Dilip</a:t>
+            </a:r>
+            <a:r>
+              <a:rPr lang="en-IN" sz="1800" dirty="0">
+                <a:solidFill>
+                  <a:schemeClr val="dk1"/>
+                </a:solidFill>
+                <a:latin typeface="Calibri"/>
+                <a:ea typeface="Calibri"/>
+                <a:cs typeface="Calibri"/>
+                <a:sym typeface="Calibri"/>
+              </a:rPr>
+              <a:t> Kumar Kushwaha, </a:t>
+            </a:r>
+            <a:r>
+              <a:rPr lang="en-IN" sz="1800" dirty="0" err="1">
+                <a:solidFill>
+                  <a:schemeClr val="dk1"/>
+                </a:solidFill>
+                <a:latin typeface="Calibri"/>
+                <a:ea typeface="Calibri"/>
+                <a:cs typeface="Calibri"/>
+                <a:sym typeface="Calibri"/>
+              </a:rPr>
+              <a:t>NrusinghCharanPradhan</a:t>
+            </a:r>
+            <a:r>
+              <a:rPr lang="en-IN" sz="1800" dirty="0">
+                <a:solidFill>
+                  <a:schemeClr val="dk1"/>
+                </a:solidFill>
+                <a:latin typeface="Calibri"/>
+                <a:ea typeface="Calibri"/>
+                <a:cs typeface="Calibri"/>
+                <a:sym typeface="Calibri"/>
+              </a:rPr>
+              <a:t>, </a:t>
+            </a:r>
+            <a:r>
+              <a:rPr lang="en-IN" sz="1800" dirty="0" err="1">
+                <a:solidFill>
+                  <a:schemeClr val="dk1"/>
+                </a:solidFill>
+                <a:latin typeface="Calibri"/>
+                <a:ea typeface="Calibri"/>
+                <a:cs typeface="Calibri"/>
+                <a:sym typeface="Calibri"/>
+              </a:rPr>
+              <a:t>YashMakwana</a:t>
+            </a:r>
+            <a:r>
+              <a:rPr lang="en-IN" sz="1800" dirty="0">
+                <a:solidFill>
+                  <a:schemeClr val="dk1"/>
+                </a:solidFill>
+                <a:latin typeface="Calibri"/>
+                <a:ea typeface="Calibri"/>
+                <a:cs typeface="Calibri"/>
+                <a:sym typeface="Calibri"/>
+              </a:rPr>
+              <a:t>, Mohit Kumar, </a:t>
+            </a:r>
+            <a:r>
+              <a:rPr lang="en-IN" sz="1800" dirty="0" err="1">
+                <a:solidFill>
+                  <a:schemeClr val="dk1"/>
+                </a:solidFill>
+                <a:latin typeface="Calibri"/>
+                <a:ea typeface="Calibri"/>
+                <a:cs typeface="Calibri"/>
+                <a:sym typeface="Calibri"/>
+              </a:rPr>
+              <a:t>MahendraJatoliya,MudeArjunNaik</a:t>
+            </a:r>
+            <a:r>
+              <a:rPr lang="en-IN" sz="1800" dirty="0">
+                <a:solidFill>
+                  <a:schemeClr val="dk1"/>
+                </a:solidFill>
+                <a:latin typeface="Calibri"/>
+                <a:ea typeface="Calibri"/>
+                <a:cs typeface="Calibri"/>
+                <a:sym typeface="Calibri"/>
+              </a:rPr>
+              <a:t>, Indra Mani Division of Agricultural Engineering, Indian Agricultural Research Institute, New Delhi 110012, India.</a:t>
+            </a:r>
+            <a:endParaRPr dirty="0"/>
           </a:p>
           <a:p>
             <a:pPr marL="0" marR="0" lvl="0" indent="0" algn="l" rtl="0">
@@ -12532,7 +12889,7 @@
               </a:spcAft>
               <a:buNone/>
             </a:pPr>
-            <a:endParaRPr sz="1800">
+            <a:endParaRPr sz="1800" dirty="0">
               <a:solidFill>
                 <a:schemeClr val="dk1"/>
               </a:solidFill>
@@ -12553,7 +12910,7 @@
               <a:buNone/>
             </a:pPr>
             <a:r>
-              <a:rPr lang="en-IN" sz="1800">
+              <a:rPr lang="en-IN" sz="1800" dirty="0">
                 <a:solidFill>
                   <a:schemeClr val="dk1"/>
                 </a:solidFill>
@@ -12562,9 +12919,441 @@
                 <a:cs typeface="Calibri"/>
                 <a:sym typeface="Calibri"/>
               </a:rPr>
-              <a:t>6] Design and Development of an Agricultural Robot for Crop Seeding Hussain Nor Azmia , Sami Salama Hussen Hajjajb,c* , Kisheen Rao Gsangayaa , Mohamed Thariq Hameed Sultand,e,f* , Mohd Fazly Mailg , Lee Seng Huah aDepartment of Mechanical Engineering, Universiti Tenaga Nasional, Jalan IKRAM-UNITEN, 43000 Kajang, Selangor Darul Ehsan, Malaysia. bCentre for Advanced Mechatronics and Robotics (CaMaRo), Universiti Tenaga Nasional, Jalan IKRAM-UNITEN, 43000 Kajang, Selangor Darul Ehsan, Malaysia </a:t>
+              <a:t>[6] Design and Development of an Agricultural Robot for Crop Seeding Hussain Nor </a:t>
             </a:r>
-            <a:endParaRPr/>
+            <a:r>
+              <a:rPr lang="en-IN" sz="1800" dirty="0" err="1">
+                <a:solidFill>
+                  <a:schemeClr val="dk1"/>
+                </a:solidFill>
+                <a:latin typeface="Calibri"/>
+                <a:ea typeface="Calibri"/>
+                <a:cs typeface="Calibri"/>
+                <a:sym typeface="Calibri"/>
+              </a:rPr>
+              <a:t>Azmia</a:t>
+            </a:r>
+            <a:r>
+              <a:rPr lang="en-IN" sz="1800" dirty="0">
+                <a:solidFill>
+                  <a:schemeClr val="dk1"/>
+                </a:solidFill>
+                <a:latin typeface="Calibri"/>
+                <a:ea typeface="Calibri"/>
+                <a:cs typeface="Calibri"/>
+                <a:sym typeface="Calibri"/>
+              </a:rPr>
+              <a:t> , Sami Salama Hussen </a:t>
+            </a:r>
+            <a:r>
+              <a:rPr lang="en-IN" sz="1800" dirty="0" err="1">
+                <a:solidFill>
+                  <a:schemeClr val="dk1"/>
+                </a:solidFill>
+                <a:latin typeface="Calibri"/>
+                <a:ea typeface="Calibri"/>
+                <a:cs typeface="Calibri"/>
+                <a:sym typeface="Calibri"/>
+              </a:rPr>
+              <a:t>Hajjajb,c</a:t>
+            </a:r>
+            <a:r>
+              <a:rPr lang="en-IN" sz="1800" dirty="0">
+                <a:solidFill>
+                  <a:schemeClr val="dk1"/>
+                </a:solidFill>
+                <a:latin typeface="Calibri"/>
+                <a:ea typeface="Calibri"/>
+                <a:cs typeface="Calibri"/>
+                <a:sym typeface="Calibri"/>
+              </a:rPr>
+              <a:t>* , </a:t>
+            </a:r>
+            <a:r>
+              <a:rPr lang="en-IN" sz="1800" dirty="0" err="1">
+                <a:solidFill>
+                  <a:schemeClr val="dk1"/>
+                </a:solidFill>
+                <a:latin typeface="Calibri"/>
+                <a:ea typeface="Calibri"/>
+                <a:cs typeface="Calibri"/>
+                <a:sym typeface="Calibri"/>
+              </a:rPr>
+              <a:t>Kisheen</a:t>
+            </a:r>
+            <a:r>
+              <a:rPr lang="en-IN" sz="1800" dirty="0">
+                <a:solidFill>
+                  <a:schemeClr val="dk1"/>
+                </a:solidFill>
+                <a:latin typeface="Calibri"/>
+                <a:ea typeface="Calibri"/>
+                <a:cs typeface="Calibri"/>
+                <a:sym typeface="Calibri"/>
+              </a:rPr>
+              <a:t> Rao </a:t>
+            </a:r>
+            <a:r>
+              <a:rPr lang="en-IN" sz="1800" dirty="0" err="1">
+                <a:solidFill>
+                  <a:schemeClr val="dk1"/>
+                </a:solidFill>
+                <a:latin typeface="Calibri"/>
+                <a:ea typeface="Calibri"/>
+                <a:cs typeface="Calibri"/>
+                <a:sym typeface="Calibri"/>
+              </a:rPr>
+              <a:t>Gsangayaa</a:t>
+            </a:r>
+            <a:r>
+              <a:rPr lang="en-IN" sz="1800" dirty="0">
+                <a:solidFill>
+                  <a:schemeClr val="dk1"/>
+                </a:solidFill>
+                <a:latin typeface="Calibri"/>
+                <a:ea typeface="Calibri"/>
+                <a:cs typeface="Calibri"/>
+                <a:sym typeface="Calibri"/>
+              </a:rPr>
+              <a:t> , Mohamed </a:t>
+            </a:r>
+            <a:r>
+              <a:rPr lang="en-IN" sz="1800" dirty="0" err="1">
+                <a:solidFill>
+                  <a:schemeClr val="dk1"/>
+                </a:solidFill>
+                <a:latin typeface="Calibri"/>
+                <a:ea typeface="Calibri"/>
+                <a:cs typeface="Calibri"/>
+                <a:sym typeface="Calibri"/>
+              </a:rPr>
+              <a:t>Thariq</a:t>
+            </a:r>
+            <a:r>
+              <a:rPr lang="en-IN" sz="1800" dirty="0">
+                <a:solidFill>
+                  <a:schemeClr val="dk1"/>
+                </a:solidFill>
+                <a:latin typeface="Calibri"/>
+                <a:ea typeface="Calibri"/>
+                <a:cs typeface="Calibri"/>
+                <a:sym typeface="Calibri"/>
+              </a:rPr>
+              <a:t> Hameed </a:t>
+            </a:r>
+            <a:r>
+              <a:rPr lang="en-IN" sz="1800" dirty="0" err="1">
+                <a:solidFill>
+                  <a:schemeClr val="dk1"/>
+                </a:solidFill>
+                <a:latin typeface="Calibri"/>
+                <a:ea typeface="Calibri"/>
+                <a:cs typeface="Calibri"/>
+                <a:sym typeface="Calibri"/>
+              </a:rPr>
+              <a:t>Sultand,e,f</a:t>
+            </a:r>
+            <a:r>
+              <a:rPr lang="en-IN" sz="1800" dirty="0">
+                <a:solidFill>
+                  <a:schemeClr val="dk1"/>
+                </a:solidFill>
+                <a:latin typeface="Calibri"/>
+                <a:ea typeface="Calibri"/>
+                <a:cs typeface="Calibri"/>
+                <a:sym typeface="Calibri"/>
+              </a:rPr>
+              <a:t>* , Mohd </a:t>
+            </a:r>
+            <a:r>
+              <a:rPr lang="en-IN" sz="1800" dirty="0" err="1">
+                <a:solidFill>
+                  <a:schemeClr val="dk1"/>
+                </a:solidFill>
+                <a:latin typeface="Calibri"/>
+                <a:ea typeface="Calibri"/>
+                <a:cs typeface="Calibri"/>
+                <a:sym typeface="Calibri"/>
+              </a:rPr>
+              <a:t>Fazly</a:t>
+            </a:r>
+            <a:r>
+              <a:rPr lang="en-IN" sz="1800" dirty="0">
+                <a:solidFill>
+                  <a:schemeClr val="dk1"/>
+                </a:solidFill>
+                <a:latin typeface="Calibri"/>
+                <a:ea typeface="Calibri"/>
+                <a:cs typeface="Calibri"/>
+                <a:sym typeface="Calibri"/>
+              </a:rPr>
+              <a:t> </a:t>
+            </a:r>
+            <a:r>
+              <a:rPr lang="en-IN" sz="1800" dirty="0" err="1">
+                <a:solidFill>
+                  <a:schemeClr val="dk1"/>
+                </a:solidFill>
+                <a:latin typeface="Calibri"/>
+                <a:ea typeface="Calibri"/>
+                <a:cs typeface="Calibri"/>
+                <a:sym typeface="Calibri"/>
+              </a:rPr>
+              <a:t>Mailg</a:t>
+            </a:r>
+            <a:r>
+              <a:rPr lang="en-IN" sz="1800" dirty="0">
+                <a:solidFill>
+                  <a:schemeClr val="dk1"/>
+                </a:solidFill>
+                <a:latin typeface="Calibri"/>
+                <a:ea typeface="Calibri"/>
+                <a:cs typeface="Calibri"/>
+                <a:sym typeface="Calibri"/>
+              </a:rPr>
+              <a:t> , Lee Seng </a:t>
+            </a:r>
+            <a:r>
+              <a:rPr lang="en-IN" sz="1800" dirty="0" err="1">
+                <a:solidFill>
+                  <a:schemeClr val="dk1"/>
+                </a:solidFill>
+                <a:latin typeface="Calibri"/>
+                <a:ea typeface="Calibri"/>
+                <a:cs typeface="Calibri"/>
+                <a:sym typeface="Calibri"/>
+              </a:rPr>
+              <a:t>Huah</a:t>
+            </a:r>
+            <a:r>
+              <a:rPr lang="en-IN" sz="1800" dirty="0">
+                <a:solidFill>
+                  <a:schemeClr val="dk1"/>
+                </a:solidFill>
+                <a:latin typeface="Calibri"/>
+                <a:ea typeface="Calibri"/>
+                <a:cs typeface="Calibri"/>
+                <a:sym typeface="Calibri"/>
+              </a:rPr>
+              <a:t> </a:t>
+            </a:r>
+            <a:r>
+              <a:rPr lang="en-IN" sz="1800" dirty="0" err="1">
+                <a:solidFill>
+                  <a:schemeClr val="dk1"/>
+                </a:solidFill>
+                <a:latin typeface="Calibri"/>
+                <a:ea typeface="Calibri"/>
+                <a:cs typeface="Calibri"/>
+                <a:sym typeface="Calibri"/>
+              </a:rPr>
+              <a:t>aDepartment</a:t>
+            </a:r>
+            <a:r>
+              <a:rPr lang="en-IN" sz="1800" dirty="0">
+                <a:solidFill>
+                  <a:schemeClr val="dk1"/>
+                </a:solidFill>
+                <a:latin typeface="Calibri"/>
+                <a:ea typeface="Calibri"/>
+                <a:cs typeface="Calibri"/>
+                <a:sym typeface="Calibri"/>
+              </a:rPr>
+              <a:t> of Mechanical Engineering, </a:t>
+            </a:r>
+            <a:r>
+              <a:rPr lang="en-IN" sz="1800" dirty="0" err="1">
+                <a:solidFill>
+                  <a:schemeClr val="dk1"/>
+                </a:solidFill>
+                <a:latin typeface="Calibri"/>
+                <a:ea typeface="Calibri"/>
+                <a:cs typeface="Calibri"/>
+                <a:sym typeface="Calibri"/>
+              </a:rPr>
+              <a:t>Universiti</a:t>
+            </a:r>
+            <a:r>
+              <a:rPr lang="en-IN" sz="1800" dirty="0">
+                <a:solidFill>
+                  <a:schemeClr val="dk1"/>
+                </a:solidFill>
+                <a:latin typeface="Calibri"/>
+                <a:ea typeface="Calibri"/>
+                <a:cs typeface="Calibri"/>
+                <a:sym typeface="Calibri"/>
+              </a:rPr>
+              <a:t> Tenaga Nasional, Jalan IKRAM-UNITEN, 43000 </a:t>
+            </a:r>
+            <a:r>
+              <a:rPr lang="en-IN" sz="1800" dirty="0" err="1">
+                <a:solidFill>
+                  <a:schemeClr val="dk1"/>
+                </a:solidFill>
+                <a:latin typeface="Calibri"/>
+                <a:ea typeface="Calibri"/>
+                <a:cs typeface="Calibri"/>
+                <a:sym typeface="Calibri"/>
+              </a:rPr>
+              <a:t>Kajang</a:t>
+            </a:r>
+            <a:r>
+              <a:rPr lang="en-IN" sz="1800" dirty="0">
+                <a:solidFill>
+                  <a:schemeClr val="dk1"/>
+                </a:solidFill>
+                <a:latin typeface="Calibri"/>
+                <a:ea typeface="Calibri"/>
+                <a:cs typeface="Calibri"/>
+                <a:sym typeface="Calibri"/>
+              </a:rPr>
+              <a:t>, Selangor </a:t>
+            </a:r>
+            <a:r>
+              <a:rPr lang="en-IN" sz="1800" dirty="0" err="1">
+                <a:solidFill>
+                  <a:schemeClr val="dk1"/>
+                </a:solidFill>
+                <a:latin typeface="Calibri"/>
+                <a:ea typeface="Calibri"/>
+                <a:cs typeface="Calibri"/>
+                <a:sym typeface="Calibri"/>
+              </a:rPr>
+              <a:t>Darul</a:t>
+            </a:r>
+            <a:r>
+              <a:rPr lang="en-IN" sz="1800" dirty="0">
+                <a:solidFill>
+                  <a:schemeClr val="dk1"/>
+                </a:solidFill>
+                <a:latin typeface="Calibri"/>
+                <a:ea typeface="Calibri"/>
+                <a:cs typeface="Calibri"/>
+                <a:sym typeface="Calibri"/>
+              </a:rPr>
+              <a:t> Ehsan, Malaysia. </a:t>
+            </a:r>
+            <a:r>
+              <a:rPr lang="en-IN" sz="1800" dirty="0" err="1">
+                <a:solidFill>
+                  <a:schemeClr val="dk1"/>
+                </a:solidFill>
+                <a:latin typeface="Calibri"/>
+                <a:ea typeface="Calibri"/>
+                <a:cs typeface="Calibri"/>
+                <a:sym typeface="Calibri"/>
+              </a:rPr>
+              <a:t>bCentre</a:t>
+            </a:r>
+            <a:r>
+              <a:rPr lang="en-IN" sz="1800" dirty="0">
+                <a:solidFill>
+                  <a:schemeClr val="dk1"/>
+                </a:solidFill>
+                <a:latin typeface="Calibri"/>
+                <a:ea typeface="Calibri"/>
+                <a:cs typeface="Calibri"/>
+                <a:sym typeface="Calibri"/>
+              </a:rPr>
+              <a:t> for Advanced Mechatronics and Robotics (</a:t>
+            </a:r>
+            <a:r>
+              <a:rPr lang="en-IN" sz="1800" dirty="0" err="1">
+                <a:solidFill>
+                  <a:schemeClr val="dk1"/>
+                </a:solidFill>
+                <a:latin typeface="Calibri"/>
+                <a:ea typeface="Calibri"/>
+                <a:cs typeface="Calibri"/>
+                <a:sym typeface="Calibri"/>
+              </a:rPr>
+              <a:t>CaMaRo</a:t>
+            </a:r>
+            <a:r>
+              <a:rPr lang="en-IN" sz="1800" dirty="0">
+                <a:solidFill>
+                  <a:schemeClr val="dk1"/>
+                </a:solidFill>
+                <a:latin typeface="Calibri"/>
+                <a:ea typeface="Calibri"/>
+                <a:cs typeface="Calibri"/>
+                <a:sym typeface="Calibri"/>
+              </a:rPr>
+              <a:t>), </a:t>
+            </a:r>
+            <a:r>
+              <a:rPr lang="en-IN" sz="1800" dirty="0" err="1">
+                <a:solidFill>
+                  <a:schemeClr val="dk1"/>
+                </a:solidFill>
+                <a:latin typeface="Calibri"/>
+                <a:ea typeface="Calibri"/>
+                <a:cs typeface="Calibri"/>
+                <a:sym typeface="Calibri"/>
+              </a:rPr>
+              <a:t>Universiti</a:t>
+            </a:r>
+            <a:r>
+              <a:rPr lang="en-IN" sz="1800" dirty="0">
+                <a:solidFill>
+                  <a:schemeClr val="dk1"/>
+                </a:solidFill>
+                <a:latin typeface="Calibri"/>
+                <a:ea typeface="Calibri"/>
+                <a:cs typeface="Calibri"/>
+                <a:sym typeface="Calibri"/>
+              </a:rPr>
+              <a:t> Tenaga Nasional, Jalan IKRAM-UNITEN, 43000 </a:t>
+            </a:r>
+            <a:r>
+              <a:rPr lang="en-IN" sz="1800" dirty="0" err="1">
+                <a:solidFill>
+                  <a:schemeClr val="dk1"/>
+                </a:solidFill>
+                <a:latin typeface="Calibri"/>
+                <a:ea typeface="Calibri"/>
+                <a:cs typeface="Calibri"/>
+                <a:sym typeface="Calibri"/>
+              </a:rPr>
+              <a:t>Kajang</a:t>
+            </a:r>
+            <a:r>
+              <a:rPr lang="en-IN" sz="1800" dirty="0">
+                <a:solidFill>
+                  <a:schemeClr val="dk1"/>
+                </a:solidFill>
+                <a:latin typeface="Calibri"/>
+                <a:ea typeface="Calibri"/>
+                <a:cs typeface="Calibri"/>
+                <a:sym typeface="Calibri"/>
+              </a:rPr>
+              <a:t>, Selangor </a:t>
+            </a:r>
+            <a:r>
+              <a:rPr lang="en-IN" sz="1800" dirty="0" err="1">
+                <a:solidFill>
+                  <a:schemeClr val="dk1"/>
+                </a:solidFill>
+                <a:latin typeface="Calibri"/>
+                <a:ea typeface="Calibri"/>
+                <a:cs typeface="Calibri"/>
+                <a:sym typeface="Calibri"/>
+              </a:rPr>
+              <a:t>Darul</a:t>
+            </a:r>
+            <a:r>
+              <a:rPr lang="en-IN" sz="1800" dirty="0">
+                <a:solidFill>
+                  <a:schemeClr val="dk1"/>
+                </a:solidFill>
+                <a:latin typeface="Calibri"/>
+                <a:ea typeface="Calibri"/>
+                <a:cs typeface="Calibri"/>
+                <a:sym typeface="Calibri"/>
+              </a:rPr>
+              <a:t> Ehsan, Malaysia </a:t>
+            </a:r>
+            <a:endParaRPr dirty="0"/>
           </a:p>
           <a:p>
             <a:pPr marL="0" marR="0" lvl="0" indent="0" algn="l" rtl="0">
@@ -12576,7 +13365,7 @@
               </a:spcAft>
               <a:buNone/>
             </a:pPr>
-            <a:endParaRPr sz="1800">
+            <a:endParaRPr sz="1800" dirty="0">
               <a:solidFill>
                 <a:schemeClr val="dk1"/>
               </a:solidFill>
@@ -12597,7 +13386,7 @@
               <a:buNone/>
             </a:pPr>
             <a:r>
-              <a:rPr lang="en-IN" sz="1800">
+              <a:rPr lang="en-IN" sz="1800" dirty="0">
                 <a:solidFill>
                   <a:schemeClr val="dk1"/>
                 </a:solidFill>
@@ -12606,9 +13395,153 @@
                 <a:cs typeface="Calibri"/>
                 <a:sym typeface="Calibri"/>
               </a:rPr>
-              <a:t>7] Robotics and Automation in Agriculture: Present and Future Applications Mohd Saiful Azimi Mahmud* , Mohamad Shukri Zainal Abidin, Abioye Abiodun Emmanuel and Hameedah Sahib Hasan School of Electrical Engineering, Faculty of Engineering, Universiti Teknologi Malaysia, 81310 UTM Skudai, Johor, Malaysia *Corresponding author: azimi@utm.my Submitted 08 March 2020, Revised 31 March 2020, Accepted 01 April 2020. </a:t>
+              <a:t>[7] Robotics and Automation in Agriculture: Present and Future Applications Mohd Saiful </a:t>
             </a:r>
-            <a:endParaRPr/>
+            <a:r>
+              <a:rPr lang="en-IN" sz="1800" dirty="0" err="1">
+                <a:solidFill>
+                  <a:schemeClr val="dk1"/>
+                </a:solidFill>
+                <a:latin typeface="Calibri"/>
+                <a:ea typeface="Calibri"/>
+                <a:cs typeface="Calibri"/>
+                <a:sym typeface="Calibri"/>
+              </a:rPr>
+              <a:t>Azimi</a:t>
+            </a:r>
+            <a:r>
+              <a:rPr lang="en-IN" sz="1800" dirty="0">
+                <a:solidFill>
+                  <a:schemeClr val="dk1"/>
+                </a:solidFill>
+                <a:latin typeface="Calibri"/>
+                <a:ea typeface="Calibri"/>
+                <a:cs typeface="Calibri"/>
+                <a:sym typeface="Calibri"/>
+              </a:rPr>
+              <a:t> Mahmud* , Mohamad Shukri Zainal Abidin, </a:t>
+            </a:r>
+            <a:r>
+              <a:rPr lang="en-IN" sz="1800" dirty="0" err="1">
+                <a:solidFill>
+                  <a:schemeClr val="dk1"/>
+                </a:solidFill>
+                <a:latin typeface="Calibri"/>
+                <a:ea typeface="Calibri"/>
+                <a:cs typeface="Calibri"/>
+                <a:sym typeface="Calibri"/>
+              </a:rPr>
+              <a:t>Abioye</a:t>
+            </a:r>
+            <a:r>
+              <a:rPr lang="en-IN" sz="1800" dirty="0">
+                <a:solidFill>
+                  <a:schemeClr val="dk1"/>
+                </a:solidFill>
+                <a:latin typeface="Calibri"/>
+                <a:ea typeface="Calibri"/>
+                <a:cs typeface="Calibri"/>
+                <a:sym typeface="Calibri"/>
+              </a:rPr>
+              <a:t> Abiodun Emmanuel and </a:t>
+            </a:r>
+            <a:r>
+              <a:rPr lang="en-IN" sz="1800" dirty="0" err="1">
+                <a:solidFill>
+                  <a:schemeClr val="dk1"/>
+                </a:solidFill>
+                <a:latin typeface="Calibri"/>
+                <a:ea typeface="Calibri"/>
+                <a:cs typeface="Calibri"/>
+                <a:sym typeface="Calibri"/>
+              </a:rPr>
+              <a:t>Hameedah</a:t>
+            </a:r>
+            <a:r>
+              <a:rPr lang="en-IN" sz="1800" dirty="0">
+                <a:solidFill>
+                  <a:schemeClr val="dk1"/>
+                </a:solidFill>
+                <a:latin typeface="Calibri"/>
+                <a:ea typeface="Calibri"/>
+                <a:cs typeface="Calibri"/>
+                <a:sym typeface="Calibri"/>
+              </a:rPr>
+              <a:t> Sahib Hasan School of Electrical Engineering, Faculty of Engineering, </a:t>
+            </a:r>
+            <a:r>
+              <a:rPr lang="en-IN" sz="1800" dirty="0" err="1">
+                <a:solidFill>
+                  <a:schemeClr val="dk1"/>
+                </a:solidFill>
+                <a:latin typeface="Calibri"/>
+                <a:ea typeface="Calibri"/>
+                <a:cs typeface="Calibri"/>
+                <a:sym typeface="Calibri"/>
+              </a:rPr>
+              <a:t>Universiti</a:t>
+            </a:r>
+            <a:r>
+              <a:rPr lang="en-IN" sz="1800" dirty="0">
+                <a:solidFill>
+                  <a:schemeClr val="dk1"/>
+                </a:solidFill>
+                <a:latin typeface="Calibri"/>
+                <a:ea typeface="Calibri"/>
+                <a:cs typeface="Calibri"/>
+                <a:sym typeface="Calibri"/>
+              </a:rPr>
+              <a:t> </a:t>
+            </a:r>
+            <a:r>
+              <a:rPr lang="en-IN" sz="1800" dirty="0" err="1">
+                <a:solidFill>
+                  <a:schemeClr val="dk1"/>
+                </a:solidFill>
+                <a:latin typeface="Calibri"/>
+                <a:ea typeface="Calibri"/>
+                <a:cs typeface="Calibri"/>
+                <a:sym typeface="Calibri"/>
+              </a:rPr>
+              <a:t>Teknologi</a:t>
+            </a:r>
+            <a:r>
+              <a:rPr lang="en-IN" sz="1800" dirty="0">
+                <a:solidFill>
+                  <a:schemeClr val="dk1"/>
+                </a:solidFill>
+                <a:latin typeface="Calibri"/>
+                <a:ea typeface="Calibri"/>
+                <a:cs typeface="Calibri"/>
+                <a:sym typeface="Calibri"/>
+              </a:rPr>
+              <a:t> Malaysia, 81310 UTM </a:t>
+            </a:r>
+            <a:r>
+              <a:rPr lang="en-IN" sz="1800" dirty="0" err="1">
+                <a:solidFill>
+                  <a:schemeClr val="dk1"/>
+                </a:solidFill>
+                <a:latin typeface="Calibri"/>
+                <a:ea typeface="Calibri"/>
+                <a:cs typeface="Calibri"/>
+                <a:sym typeface="Calibri"/>
+              </a:rPr>
+              <a:t>Skudai</a:t>
+            </a:r>
+            <a:r>
+              <a:rPr lang="en-IN" sz="1800" dirty="0">
+                <a:solidFill>
+                  <a:schemeClr val="dk1"/>
+                </a:solidFill>
+                <a:latin typeface="Calibri"/>
+                <a:ea typeface="Calibri"/>
+                <a:cs typeface="Calibri"/>
+                <a:sym typeface="Calibri"/>
+              </a:rPr>
+              <a:t>, Johor, Malaysia *Corresponding author: azimi@utm.my Submitted 08 March 2020, Revised 31 March 2020, Accepted 01 April 2020. </a:t>
+            </a:r>
+            <a:endParaRPr dirty="0"/>
           </a:p>
           <a:p>
             <a:pPr marL="0" marR="0" lvl="0" indent="0" algn="l" rtl="0">
@@ -12620,7 +13553,7 @@
               </a:spcAft>
               <a:buNone/>
             </a:pPr>
-            <a:endParaRPr sz="1800">
+            <a:endParaRPr sz="1800" dirty="0">
               <a:solidFill>
                 <a:schemeClr val="dk1"/>
               </a:solidFill>
@@ -12641,7 +13574,7 @@
               <a:buNone/>
             </a:pPr>
             <a:r>
-              <a:rPr lang="en-IN" sz="1800">
+              <a:rPr lang="en-IN" sz="1800" dirty="0">
                 <a:solidFill>
                   <a:schemeClr val="dk1"/>
                 </a:solidFill>
@@ -12650,9 +13583,57 @@
                 <a:cs typeface="Calibri"/>
                 <a:sym typeface="Calibri"/>
               </a:rPr>
-              <a:t>8] Detection of unhealthy region of plant leaves using Image Processing and Genetic Algorithm Vijai Singh Asst Professor IMS Engg college Ghaziabad, UP ,India vijai.cs@gmail.com Varsha Asst Professor JSSATE Noida, Uttar Pradesh, India Prof. A K Misra Professor, MNNIT Allahabad, Uttar Pradesh, India </a:t>
+              <a:t>[8] Detection of unhealthy region of plant leaves using Image Processing and Genetic Algorithm </a:t>
             </a:r>
-            <a:endParaRPr/>
+            <a:r>
+              <a:rPr lang="en-IN" sz="1800" dirty="0" err="1">
+                <a:solidFill>
+                  <a:schemeClr val="dk1"/>
+                </a:solidFill>
+                <a:latin typeface="Calibri"/>
+                <a:ea typeface="Calibri"/>
+                <a:cs typeface="Calibri"/>
+                <a:sym typeface="Calibri"/>
+              </a:rPr>
+              <a:t>Vijai</a:t>
+            </a:r>
+            <a:r>
+              <a:rPr lang="en-IN" sz="1800" dirty="0">
+                <a:solidFill>
+                  <a:schemeClr val="dk1"/>
+                </a:solidFill>
+                <a:latin typeface="Calibri"/>
+                <a:ea typeface="Calibri"/>
+                <a:cs typeface="Calibri"/>
+                <a:sym typeface="Calibri"/>
+              </a:rPr>
+              <a:t> Singh Asst Professor IMS </a:t>
+            </a:r>
+            <a:r>
+              <a:rPr lang="en-IN" sz="1800" dirty="0" err="1">
+                <a:solidFill>
+                  <a:schemeClr val="dk1"/>
+                </a:solidFill>
+                <a:latin typeface="Calibri"/>
+                <a:ea typeface="Calibri"/>
+                <a:cs typeface="Calibri"/>
+                <a:sym typeface="Calibri"/>
+              </a:rPr>
+              <a:t>Engg</a:t>
+            </a:r>
+            <a:r>
+              <a:rPr lang="en-IN" sz="1800" dirty="0">
+                <a:solidFill>
+                  <a:schemeClr val="dk1"/>
+                </a:solidFill>
+                <a:latin typeface="Calibri"/>
+                <a:ea typeface="Calibri"/>
+                <a:cs typeface="Calibri"/>
+                <a:sym typeface="Calibri"/>
+              </a:rPr>
+              <a:t> college Ghaziabad, UP ,India vijai.cs@gmail.com Varsha Asst Professor JSSATE Noida, Uttar Pradesh, India Prof. A K Misra Professor, MNNIT Allahabad, Uttar Pradesh, India </a:t>
+            </a:r>
+            <a:endParaRPr dirty="0"/>
           </a:p>
           <a:p>
             <a:pPr marL="0" marR="0" lvl="0" indent="0" algn="l" rtl="0">
@@ -12664,7 +13645,7 @@
               </a:spcAft>
               <a:buNone/>
             </a:pPr>
-            <a:endParaRPr sz="1800">
+            <a:endParaRPr sz="1800" dirty="0">
               <a:solidFill>
                 <a:schemeClr val="dk1"/>
               </a:solidFill>
@@ -12685,7 +13666,7 @@
               <a:buNone/>
             </a:pPr>
             <a:r>
-              <a:rPr lang="en-IN" sz="1800">
+              <a:rPr lang="en-IN" sz="1800" dirty="0">
                 <a:solidFill>
                   <a:schemeClr val="dk1"/>
                 </a:solidFill>
@@ -12694,9 +13675,81 @@
                 <a:cs typeface="Calibri"/>
                 <a:sym typeface="Calibri"/>
               </a:rPr>
-              <a:t>9] A Robot System for Paddy Field Farming in Japan K. Tamaki*, Y. Nagasaka*, K. Nishiwaki*, M. Saito*, Y. Kikuchi*, K. Motobayashi* * National Agriculture and Food Research Organization Tsukuba, Japan (Tel: +81-29-838-8815; e-mail: tama@affrc.go.jp)</a:t>
+              <a:t>[9] A Robot System for Paddy Field Farming in Japan K. Tamaki*, Y. </a:t>
             </a:r>
-            <a:endParaRPr/>
+            <a:r>
+              <a:rPr lang="en-IN" sz="1800" dirty="0" err="1">
+                <a:solidFill>
+                  <a:schemeClr val="dk1"/>
+                </a:solidFill>
+                <a:latin typeface="Calibri"/>
+                <a:ea typeface="Calibri"/>
+                <a:cs typeface="Calibri"/>
+                <a:sym typeface="Calibri"/>
+              </a:rPr>
+              <a:t>Nagasaka</a:t>
+            </a:r>
+            <a:r>
+              <a:rPr lang="en-IN" sz="1800" dirty="0">
+                <a:solidFill>
+                  <a:schemeClr val="dk1"/>
+                </a:solidFill>
+                <a:latin typeface="Calibri"/>
+                <a:ea typeface="Calibri"/>
+                <a:cs typeface="Calibri"/>
+                <a:sym typeface="Calibri"/>
+              </a:rPr>
+              <a:t>*, K. </a:t>
+            </a:r>
+            <a:r>
+              <a:rPr lang="en-IN" sz="1800" dirty="0" err="1">
+                <a:solidFill>
+                  <a:schemeClr val="dk1"/>
+                </a:solidFill>
+                <a:latin typeface="Calibri"/>
+                <a:ea typeface="Calibri"/>
+                <a:cs typeface="Calibri"/>
+                <a:sym typeface="Calibri"/>
+              </a:rPr>
+              <a:t>Nishiwaki</a:t>
+            </a:r>
+            <a:r>
+              <a:rPr lang="en-IN" sz="1800" dirty="0">
+                <a:solidFill>
+                  <a:schemeClr val="dk1"/>
+                </a:solidFill>
+                <a:latin typeface="Calibri"/>
+                <a:ea typeface="Calibri"/>
+                <a:cs typeface="Calibri"/>
+                <a:sym typeface="Calibri"/>
+              </a:rPr>
+              <a:t>*, M. Saito*, Y. Kikuchi*, K. </a:t>
+            </a:r>
+            <a:r>
+              <a:rPr lang="en-IN" sz="1800" dirty="0" err="1">
+                <a:solidFill>
+                  <a:schemeClr val="dk1"/>
+                </a:solidFill>
+                <a:latin typeface="Calibri"/>
+                <a:ea typeface="Calibri"/>
+                <a:cs typeface="Calibri"/>
+                <a:sym typeface="Calibri"/>
+              </a:rPr>
+              <a:t>Motobayashi</a:t>
+            </a:r>
+            <a:r>
+              <a:rPr lang="en-IN" sz="1800" dirty="0">
+                <a:solidFill>
+                  <a:schemeClr val="dk1"/>
+                </a:solidFill>
+                <a:latin typeface="Calibri"/>
+                <a:ea typeface="Calibri"/>
+                <a:cs typeface="Calibri"/>
+                <a:sym typeface="Calibri"/>
+              </a:rPr>
+              <a:t>* * National Agriculture and Food Research Organization Tsukuba, Japan (Tel: +81-29-838-8815; e-mail: tama@affrc.go.jp)</a:t>
+            </a:r>
+            <a:endParaRPr dirty="0"/>
           </a:p>
         </p:txBody>
       </p:sp>
@@ -15484,7 +16537,7 @@
               <a:buNone/>
             </a:pPr>
             <a:r>
-              <a:rPr lang="en-IN" sz="2000">
+              <a:rPr lang="en-IN" sz="2000" dirty="0">
                 <a:solidFill>
                   <a:schemeClr val="dk1"/>
                 </a:solidFill>
@@ -15496,7 +16549,7 @@
               <a:t>Develop an, </a:t>
             </a:r>
             <a:r>
-              <a:rPr lang="en-IN" sz="2000" i="1">
+              <a:rPr lang="en-IN" sz="2000" i="1" dirty="0">
                 <a:solidFill>
                   <a:schemeClr val="dk1"/>
                 </a:solidFill>
@@ -15508,7 +16561,7 @@
               <a:t>Agribot</a:t>
             </a:r>
             <a:r>
-              <a:rPr lang="en-IN" sz="2000">
+              <a:rPr lang="en-IN" sz="2000" dirty="0">
                 <a:solidFill>
                   <a:schemeClr val="dk1"/>
                 </a:solidFill>
@@ -15517,9 +16570,9 @@
                 <a:cs typeface="Calibri"/>
                 <a:sym typeface="Calibri"/>
               </a:rPr>
-              <a:t>, machinery to enhance the quality of rice plantation through crop quality detection and rice planting aiming for increased yields through the use of the innovative solution that can help poor and moderate farmer.</a:t>
+              <a:t>, machinery to sow the rice plant and enhance the quality of rice plantation through crop quality detection.</a:t>
             </a:r>
-            <a:endParaRPr sz="2000">
+            <a:endParaRPr sz="2000" dirty="0">
               <a:solidFill>
                 <a:schemeClr val="dk1"/>
               </a:solidFill>
@@ -15768,7 +16821,7 @@
         <p:spPr>
           <a:xfrm>
             <a:off x="5121491" y="3186984"/>
-            <a:ext cx="9150275" cy="3122393"/>
+            <a:ext cx="9150275" cy="2605801"/>
           </a:xfrm>
           <a:prstGeom prst="rect">
             <a:avLst/>
@@ -15802,7 +16855,7 @@
               <a:buChar char="•"/>
             </a:pPr>
             <a:r>
-              <a:rPr lang="en-IN" sz="2000">
+              <a:rPr lang="en-IN" sz="2000" dirty="0">
                 <a:solidFill>
                   <a:schemeClr val="dk1"/>
                 </a:solidFill>
@@ -15813,7 +16866,7 @@
               </a:rPr>
               <a:t> Implement Rice plantation Agribot to Reduce labour costs and manual errors.</a:t>
             </a:r>
-            <a:endParaRPr/>
+            <a:endParaRPr dirty="0"/>
           </a:p>
           <a:p>
             <a:pPr marL="342900" marR="0" lvl="0" indent="-342900" algn="l" rtl="0">
@@ -15834,7 +16887,7 @@
               <a:buChar char="•"/>
             </a:pPr>
             <a:r>
-              <a:rPr lang="en-IN" sz="2000">
+              <a:rPr lang="en-IN" sz="2000" dirty="0">
                 <a:solidFill>
                   <a:schemeClr val="dk1"/>
                 </a:solidFill>
@@ -15845,7 +16898,7 @@
               </a:rPr>
               <a:t>Achieve a improvement in rice quality through AI-driven crop quality control measures.</a:t>
             </a:r>
-            <a:endParaRPr/>
+            <a:endParaRPr dirty="0"/>
           </a:p>
           <a:p>
             <a:pPr marL="342900" marR="0" lvl="0" indent="-342900" algn="l" rtl="0">
@@ -15866,7 +16919,7 @@
               <a:buChar char="•"/>
             </a:pPr>
             <a:r>
-              <a:rPr lang="en-IN" sz="2000">
+              <a:rPr lang="en-IN" sz="2000" dirty="0">
                 <a:solidFill>
                   <a:schemeClr val="dk1"/>
                 </a:solidFill>
@@ -15877,47 +16930,7 @@
               </a:rPr>
               <a:t>Identify potential issues after specific period from the day plantation to spray the fertilizers before the crucial impact on the crop.</a:t>
             </a:r>
-            <a:endParaRPr sz="2000">
-              <a:solidFill>
-                <a:schemeClr val="dk1"/>
-              </a:solidFill>
-              <a:latin typeface="Calibri"/>
-              <a:ea typeface="Calibri"/>
-              <a:cs typeface="Calibri"/>
-              <a:sym typeface="Calibri"/>
-            </a:endParaRPr>
-          </a:p>
-          <a:p>
-            <a:pPr marL="342900" marR="0" lvl="0" indent="-342900" algn="l" rtl="0">
-              <a:lnSpc>
-                <a:spcPct val="150000"/>
-              </a:lnSpc>
-              <a:spcBef>
-                <a:spcPts val="800"/>
-              </a:spcBef>
-              <a:spcAft>
-                <a:spcPts val="0"/>
-              </a:spcAft>
-              <a:buClr>
-                <a:schemeClr val="dk1"/>
-              </a:buClr>
-              <a:buSzPts val="2000"/>
-              <a:buFont typeface="Arial"/>
-              <a:buChar char="•"/>
-            </a:pPr>
-            <a:r>
-              <a:rPr lang="en-IN" sz="2000">
-                <a:solidFill>
-                  <a:schemeClr val="dk1"/>
-                </a:solidFill>
-                <a:latin typeface="Calibri"/>
-                <a:ea typeface="Calibri"/>
-                <a:cs typeface="Calibri"/>
-                <a:sym typeface="Calibri"/>
-              </a:rPr>
-              <a:t>Smart and continuous farming through optimized rice planting machinery.</a:t>
-            </a:r>
-            <a:endParaRPr sz="2000">
+            <a:endParaRPr sz="2000" dirty="0">
               <a:solidFill>
                 <a:schemeClr val="dk1"/>
               </a:solidFill>
@@ -20213,7 +21226,7 @@
               <a:buChar char="•"/>
             </a:pPr>
             <a:r>
-              <a:rPr lang="en-IN" sz="2400">
+              <a:rPr lang="en-IN" sz="2400" dirty="0">
                 <a:solidFill>
                   <a:schemeClr val="dk1"/>
                 </a:solidFill>
@@ -20224,7 +21237,7 @@
               </a:rPr>
               <a:t>Hardware </a:t>
             </a:r>
-            <a:endParaRPr sz="2400">
+            <a:endParaRPr sz="2400" dirty="0">
               <a:solidFill>
                 <a:schemeClr val="dk1"/>
               </a:solidFill>
@@ -20253,7 +21266,7 @@
               <a:buChar char="•"/>
             </a:pPr>
             <a:r>
-              <a:rPr lang="en-IN" sz="2400">
+              <a:rPr lang="en-IN" sz="2400" dirty="0">
                 <a:solidFill>
                   <a:schemeClr val="dk1"/>
                 </a:solidFill>
@@ -20264,7 +21277,7 @@
               </a:rPr>
               <a:t>Software</a:t>
             </a:r>
-            <a:endParaRPr sz="2400">
+            <a:endParaRPr sz="2400" dirty="0">
               <a:solidFill>
                 <a:schemeClr val="dk1"/>
               </a:solidFill>
@@ -20293,7 +21306,7 @@
               <a:buChar char="•"/>
             </a:pPr>
             <a:r>
-              <a:rPr lang="en-IN" sz="2400">
+              <a:rPr lang="en-IN" sz="2400" dirty="0">
                 <a:solidFill>
                   <a:schemeClr val="dk1"/>
                 </a:solidFill>
@@ -20302,9 +21315,9 @@
                 <a:cs typeface="Calibri"/>
                 <a:sym typeface="Calibri"/>
               </a:rPr>
-              <a:t>Data Collection Hardware</a:t>
+              <a:t>Data Collection </a:t>
             </a:r>
-            <a:endParaRPr/>
+            <a:endParaRPr dirty="0"/>
           </a:p>
           <a:p>
             <a:pPr marL="342900" marR="0" lvl="0" indent="-342900" algn="l" rtl="0">
@@ -20325,7 +21338,7 @@
               <a:buChar char="•"/>
             </a:pPr>
             <a:r>
-              <a:rPr lang="en-IN" sz="2400">
+              <a:rPr lang="en-IN" sz="2400" dirty="0">
                 <a:solidFill>
                   <a:schemeClr val="dk1"/>
                 </a:solidFill>
@@ -20336,7 +21349,7 @@
               </a:rPr>
               <a:t>Data Processing and Storage</a:t>
             </a:r>
-            <a:endParaRPr/>
+            <a:endParaRPr dirty="0"/>
           </a:p>
           <a:p>
             <a:pPr marL="342900" marR="0" lvl="0" indent="-342900" algn="l" rtl="0">
@@ -20357,7 +21370,7 @@
               <a:buChar char="•"/>
             </a:pPr>
             <a:r>
-              <a:rPr lang="en-IN" sz="2400">
+              <a:rPr lang="en-IN" sz="2400" dirty="0">
                 <a:solidFill>
                   <a:schemeClr val="dk1"/>
                 </a:solidFill>
@@ -20368,7 +21381,7 @@
               </a:rPr>
               <a:t>AI and Analytics Engine </a:t>
             </a:r>
-            <a:endParaRPr/>
+            <a:endParaRPr dirty="0"/>
           </a:p>
         </p:txBody>
       </p:sp>
